--- a/Slides/24. Arquivos Binários.pptx
+++ b/Slides/24. Arquivos Binários.pptx
@@ -148,16 +148,13 @@
 <file path=ppt/revisionInfo.xml><?xml version="1.0" encoding="utf-8"?>
 <p1510:revInfo xmlns:a="http://schemas.openxmlformats.org/drawingml/2006/main" xmlns:r="http://schemas.openxmlformats.org/officeDocument/2006/relationships" xmlns:p1510="http://schemas.microsoft.com/office/powerpoint/2015/10/main">
   <p1510:revLst>
-    <p1510:client id="{DE48F1D0-7108-4BB5-8584-C93928730167}" v="1" dt="2020-01-29T18:09:16.598"/>
+    <p1510:client id="{90F471B2-98DB-4815-966E-645702CF2738}" v="76" dt="2021-05-28T01:29:30.756"/>
   </p1510:revLst>
 </p1510:revInfo>
 </file>
 
 <file path=ppt/changesInfos/changesInfo1.xml><?xml version="1.0" encoding="utf-8"?>
 <pc:chgInfo xmlns:a="http://schemas.openxmlformats.org/drawingml/2006/main" xmlns:r="http://schemas.openxmlformats.org/officeDocument/2006/relationships" xmlns:ac="http://schemas.microsoft.com/office/drawing/2013/main/command" xmlns:pc="http://schemas.microsoft.com/office/powerpoint/2013/main/command">
-  <pc:docChgLst>
-    <pc:chgData name="Judson Santiago" userId="ebb108da2f256286" providerId="LiveId" clId="{DC1ADC44-5EA8-4212-8DFC-64DE8EC8CA9D}"/>
-  </pc:docChgLst>
   <pc:docChgLst>
     <pc:chgData name="Judson Santiago" userId="ebb108da2f256286" providerId="LiveId" clId="{DE48F1D0-7108-4BB5-8584-C93928730167}"/>
     <pc:docChg chg="undo custSel modSld">
@@ -1094,6 +1091,449 @@
     </pc:docChg>
   </pc:docChgLst>
   <pc:docChgLst>
+    <pc:chgData name="Judson Santiago" userId="ebb108da2f256286" providerId="LiveId" clId="{90F471B2-98DB-4815-966E-645702CF2738}"/>
+    <pc:docChg chg="undo custSel modSld modMainMaster">
+      <pc:chgData name="Judson Santiago" userId="ebb108da2f256286" providerId="LiveId" clId="{90F471B2-98DB-4815-966E-645702CF2738}" dt="2021-05-28T01:34:34.817" v="470"/>
+      <pc:docMkLst>
+        <pc:docMk/>
+      </pc:docMkLst>
+      <pc:sldChg chg="addSp modSp mod modAnim modNotesTx">
+        <pc:chgData name="Judson Santiago" userId="ebb108da2f256286" providerId="LiveId" clId="{90F471B2-98DB-4815-966E-645702CF2738}" dt="2021-05-28T00:06:17.480" v="278" actId="14100"/>
+        <pc:sldMkLst>
+          <pc:docMk/>
+          <pc:sldMk cId="1151431478" sldId="296"/>
+        </pc:sldMkLst>
+        <pc:spChg chg="mod">
+          <ac:chgData name="Judson Santiago" userId="ebb108da2f256286" providerId="LiveId" clId="{90F471B2-98DB-4815-966E-645702CF2738}" dt="2021-05-28T00:02:02.304" v="146" actId="948"/>
+          <ac:spMkLst>
+            <pc:docMk/>
+            <pc:sldMk cId="1151431478" sldId="296"/>
+            <ac:spMk id="3" creationId="{00000000-0000-0000-0000-000000000000}"/>
+          </ac:spMkLst>
+        </pc:spChg>
+        <pc:spChg chg="mod">
+          <ac:chgData name="Judson Santiago" userId="ebb108da2f256286" providerId="LiveId" clId="{90F471B2-98DB-4815-966E-645702CF2738}" dt="2021-05-28T00:01:28.768" v="142" actId="1076"/>
+          <ac:spMkLst>
+            <pc:docMk/>
+            <pc:sldMk cId="1151431478" sldId="296"/>
+            <ac:spMk id="4" creationId="{00000000-0000-0000-0000-000000000000}"/>
+          </ac:spMkLst>
+        </pc:spChg>
+        <pc:spChg chg="mod">
+          <ac:chgData name="Judson Santiago" userId="ebb108da2f256286" providerId="LiveId" clId="{90F471B2-98DB-4815-966E-645702CF2738}" dt="2021-05-28T00:01:35.155" v="143" actId="1076"/>
+          <ac:spMkLst>
+            <pc:docMk/>
+            <pc:sldMk cId="1151431478" sldId="296"/>
+            <ac:spMk id="5" creationId="{00000000-0000-0000-0000-000000000000}"/>
+          </ac:spMkLst>
+        </pc:spChg>
+        <pc:spChg chg="mod">
+          <ac:chgData name="Judson Santiago" userId="ebb108da2f256286" providerId="LiveId" clId="{90F471B2-98DB-4815-966E-645702CF2738}" dt="2021-05-28T00:02:06.425" v="149" actId="1035"/>
+          <ac:spMkLst>
+            <pc:docMk/>
+            <pc:sldMk cId="1151431478" sldId="296"/>
+            <ac:spMk id="6" creationId="{00000000-0000-0000-0000-000000000000}"/>
+          </ac:spMkLst>
+        </pc:spChg>
+        <pc:spChg chg="add mod">
+          <ac:chgData name="Judson Santiago" userId="ebb108da2f256286" providerId="LiveId" clId="{90F471B2-98DB-4815-966E-645702CF2738}" dt="2021-05-28T00:06:17.480" v="278" actId="14100"/>
+          <ac:spMkLst>
+            <pc:docMk/>
+            <pc:sldMk cId="1151431478" sldId="296"/>
+            <ac:spMk id="7" creationId="{29289D5C-20A9-44AB-90BF-FEFBF4B9AC44}"/>
+          </ac:spMkLst>
+        </pc:spChg>
+      </pc:sldChg>
+      <pc:sldChg chg="addSp delSp modSp mod modAnim">
+        <pc:chgData name="Judson Santiago" userId="ebb108da2f256286" providerId="LiveId" clId="{90F471B2-98DB-4815-966E-645702CF2738}" dt="2021-05-28T01:19:42.047" v="328"/>
+        <pc:sldMkLst>
+          <pc:docMk/>
+          <pc:sldMk cId="4271377546" sldId="299"/>
+        </pc:sldMkLst>
+        <pc:spChg chg="mod">
+          <ac:chgData name="Judson Santiago" userId="ebb108da2f256286" providerId="LiveId" clId="{90F471B2-98DB-4815-966E-645702CF2738}" dt="2021-05-28T01:18:52.405" v="326" actId="207"/>
+          <ac:spMkLst>
+            <pc:docMk/>
+            <pc:sldMk cId="4271377546" sldId="299"/>
+            <ac:spMk id="5" creationId="{ADA41CF2-4937-4CDE-8D40-11D99BC6A5F9}"/>
+          </ac:spMkLst>
+        </pc:spChg>
+        <pc:spChg chg="mod">
+          <ac:chgData name="Judson Santiago" userId="ebb108da2f256286" providerId="LiveId" clId="{90F471B2-98DB-4815-966E-645702CF2738}" dt="2021-05-28T01:18:52.405" v="326" actId="207"/>
+          <ac:spMkLst>
+            <pc:docMk/>
+            <pc:sldMk cId="4271377546" sldId="299"/>
+            <ac:spMk id="6" creationId="{F53D3035-08C0-4050-87DE-D4C65A554147}"/>
+          </ac:spMkLst>
+        </pc:spChg>
+        <pc:spChg chg="mod">
+          <ac:chgData name="Judson Santiago" userId="ebb108da2f256286" providerId="LiveId" clId="{90F471B2-98DB-4815-966E-645702CF2738}" dt="2021-05-28T01:18:52.405" v="326" actId="207"/>
+          <ac:spMkLst>
+            <pc:docMk/>
+            <pc:sldMk cId="4271377546" sldId="299"/>
+            <ac:spMk id="7" creationId="{3031C554-64D6-4FA4-9271-9D9AB944ED12}"/>
+          </ac:spMkLst>
+        </pc:spChg>
+        <pc:spChg chg="add mod">
+          <ac:chgData name="Judson Santiago" userId="ebb108da2f256286" providerId="LiveId" clId="{90F471B2-98DB-4815-966E-645702CF2738}" dt="2021-05-28T00:13:01.902" v="287" actId="14100"/>
+          <ac:spMkLst>
+            <pc:docMk/>
+            <pc:sldMk cId="4271377546" sldId="299"/>
+            <ac:spMk id="9" creationId="{711728D9-79B4-4A73-A733-5135D8A5E4DE}"/>
+          </ac:spMkLst>
+        </pc:spChg>
+        <pc:spChg chg="mod topLvl">
+          <ac:chgData name="Judson Santiago" userId="ebb108da2f256286" providerId="LiveId" clId="{90F471B2-98DB-4815-966E-645702CF2738}" dt="2021-05-28T01:15:29.069" v="318" actId="165"/>
+          <ac:spMkLst>
+            <pc:docMk/>
+            <pc:sldMk cId="4271377546" sldId="299"/>
+            <ac:spMk id="27" creationId="{8D219E63-5B9F-4B62-9E4B-A9356191AEAA}"/>
+          </ac:spMkLst>
+        </pc:spChg>
+        <pc:spChg chg="mod">
+          <ac:chgData name="Judson Santiago" userId="ebb108da2f256286" providerId="LiveId" clId="{90F471B2-98DB-4815-966E-645702CF2738}" dt="2021-05-28T01:16:24.211" v="322" actId="1076"/>
+          <ac:spMkLst>
+            <pc:docMk/>
+            <pc:sldMk cId="4271377546" sldId="299"/>
+            <ac:spMk id="36" creationId="{6E7BB508-5583-44A3-9171-87FE68124207}"/>
+          </ac:spMkLst>
+        </pc:spChg>
+        <pc:grpChg chg="del mod">
+          <ac:chgData name="Judson Santiago" userId="ebb108da2f256286" providerId="LiveId" clId="{90F471B2-98DB-4815-966E-645702CF2738}" dt="2021-05-28T01:15:29.069" v="318" actId="165"/>
+          <ac:grpSpMkLst>
+            <pc:docMk/>
+            <pc:sldMk cId="4271377546" sldId="299"/>
+            <ac:grpSpMk id="26" creationId="{78A75527-6F96-4186-ACA1-C31E3F3329D1}"/>
+          </ac:grpSpMkLst>
+        </pc:grpChg>
+        <pc:cxnChg chg="mod topLvl">
+          <ac:chgData name="Judson Santiago" userId="ebb108da2f256286" providerId="LiveId" clId="{90F471B2-98DB-4815-966E-645702CF2738}" dt="2021-05-28T01:15:29.069" v="318" actId="165"/>
+          <ac:cxnSpMkLst>
+            <pc:docMk/>
+            <pc:sldMk cId="4271377546" sldId="299"/>
+            <ac:cxnSpMk id="28" creationId="{969F811C-8437-405F-A50F-6FCE455C647B}"/>
+          </ac:cxnSpMkLst>
+        </pc:cxnChg>
+        <pc:cxnChg chg="mod topLvl">
+          <ac:chgData name="Judson Santiago" userId="ebb108da2f256286" providerId="LiveId" clId="{90F471B2-98DB-4815-966E-645702CF2738}" dt="2021-05-28T01:15:29.069" v="318" actId="165"/>
+          <ac:cxnSpMkLst>
+            <pc:docMk/>
+            <pc:sldMk cId="4271377546" sldId="299"/>
+            <ac:cxnSpMk id="29" creationId="{D0126FA8-CE22-4BE8-B47A-2964CBB3129F}"/>
+          </ac:cxnSpMkLst>
+        </pc:cxnChg>
+        <pc:cxnChg chg="del">
+          <ac:chgData name="Judson Santiago" userId="ebb108da2f256286" providerId="LiveId" clId="{90F471B2-98DB-4815-966E-645702CF2738}" dt="2021-05-28T01:15:02.969" v="311" actId="478"/>
+          <ac:cxnSpMkLst>
+            <pc:docMk/>
+            <pc:sldMk cId="4271377546" sldId="299"/>
+            <ac:cxnSpMk id="30" creationId="{7D580A21-100A-4C21-83B2-ACED201218B9}"/>
+          </ac:cxnSpMkLst>
+        </pc:cxnChg>
+        <pc:cxnChg chg="mod topLvl">
+          <ac:chgData name="Judson Santiago" userId="ebb108da2f256286" providerId="LiveId" clId="{90F471B2-98DB-4815-966E-645702CF2738}" dt="2021-05-28T01:15:29.069" v="318" actId="165"/>
+          <ac:cxnSpMkLst>
+            <pc:docMk/>
+            <pc:sldMk cId="4271377546" sldId="299"/>
+            <ac:cxnSpMk id="31" creationId="{321447B6-3116-4DB1-9BC8-D4724354892F}"/>
+          </ac:cxnSpMkLst>
+        </pc:cxnChg>
+        <pc:cxnChg chg="del">
+          <ac:chgData name="Judson Santiago" userId="ebb108da2f256286" providerId="LiveId" clId="{90F471B2-98DB-4815-966E-645702CF2738}" dt="2021-05-28T01:13:32.232" v="291" actId="478"/>
+          <ac:cxnSpMkLst>
+            <pc:docMk/>
+            <pc:sldMk cId="4271377546" sldId="299"/>
+            <ac:cxnSpMk id="32" creationId="{7E757573-3C14-432C-B90F-2CB9834A569A}"/>
+          </ac:cxnSpMkLst>
+        </pc:cxnChg>
+        <pc:cxnChg chg="del">
+          <ac:chgData name="Judson Santiago" userId="ebb108da2f256286" providerId="LiveId" clId="{90F471B2-98DB-4815-966E-645702CF2738}" dt="2021-05-28T01:13:32.232" v="291" actId="478"/>
+          <ac:cxnSpMkLst>
+            <pc:docMk/>
+            <pc:sldMk cId="4271377546" sldId="299"/>
+            <ac:cxnSpMk id="33" creationId="{D5E7DC45-E4C8-4DEB-A330-42286FFF5EC9}"/>
+          </ac:cxnSpMkLst>
+        </pc:cxnChg>
+        <pc:cxnChg chg="del">
+          <ac:chgData name="Judson Santiago" userId="ebb108da2f256286" providerId="LiveId" clId="{90F471B2-98DB-4815-966E-645702CF2738}" dt="2021-05-28T01:13:32.232" v="291" actId="478"/>
+          <ac:cxnSpMkLst>
+            <pc:docMk/>
+            <pc:sldMk cId="4271377546" sldId="299"/>
+            <ac:cxnSpMk id="34" creationId="{E8DDF0F4-6865-4798-B050-A01B67C4EC42}"/>
+          </ac:cxnSpMkLst>
+        </pc:cxnChg>
+        <pc:cxnChg chg="del">
+          <ac:chgData name="Judson Santiago" userId="ebb108da2f256286" providerId="LiveId" clId="{90F471B2-98DB-4815-966E-645702CF2738}" dt="2021-05-28T01:13:32.232" v="291" actId="478"/>
+          <ac:cxnSpMkLst>
+            <pc:docMk/>
+            <pc:sldMk cId="4271377546" sldId="299"/>
+            <ac:cxnSpMk id="35" creationId="{76B6BC8A-FE33-4471-9C64-703DAC5726A6}"/>
+          </ac:cxnSpMkLst>
+        </pc:cxnChg>
+        <pc:cxnChg chg="add mod">
+          <ac:chgData name="Judson Santiago" userId="ebb108da2f256286" providerId="LiveId" clId="{90F471B2-98DB-4815-966E-645702CF2738}" dt="2021-05-28T01:16:36.133" v="324" actId="14100"/>
+          <ac:cxnSpMkLst>
+            <pc:docMk/>
+            <pc:sldMk cId="4271377546" sldId="299"/>
+            <ac:cxnSpMk id="37" creationId="{CFBF0BAF-6725-4A5F-AF0E-3E9BCE4DEE02}"/>
+          </ac:cxnSpMkLst>
+        </pc:cxnChg>
+        <pc:cxnChg chg="mod">
+          <ac:chgData name="Judson Santiago" userId="ebb108da2f256286" providerId="LiveId" clId="{90F471B2-98DB-4815-966E-645702CF2738}" dt="2021-05-28T01:16:39.021" v="325" actId="14100"/>
+          <ac:cxnSpMkLst>
+            <pc:docMk/>
+            <pc:sldMk cId="4271377546" sldId="299"/>
+            <ac:cxnSpMk id="38" creationId="{8624E211-8026-44EC-9D2F-F2D489D8C8F7}"/>
+          </ac:cxnSpMkLst>
+        </pc:cxnChg>
+      </pc:sldChg>
+      <pc:sldChg chg="addSp modSp mod">
+        <pc:chgData name="Judson Santiago" userId="ebb108da2f256286" providerId="LiveId" clId="{90F471B2-98DB-4815-966E-645702CF2738}" dt="2021-05-28T01:21:49.249" v="339" actId="20577"/>
+        <pc:sldMkLst>
+          <pc:docMk/>
+          <pc:sldMk cId="1229039614" sldId="301"/>
+        </pc:sldMkLst>
+        <pc:spChg chg="add mod">
+          <ac:chgData name="Judson Santiago" userId="ebb108da2f256286" providerId="LiveId" clId="{90F471B2-98DB-4815-966E-645702CF2738}" dt="2021-05-28T01:21:49.249" v="339" actId="20577"/>
+          <ac:spMkLst>
+            <pc:docMk/>
+            <pc:sldMk cId="1229039614" sldId="301"/>
+            <ac:spMk id="5" creationId="{2FF8F720-BF56-488B-8638-78C05A07EA17}"/>
+          </ac:spMkLst>
+        </pc:spChg>
+      </pc:sldChg>
+      <pc:sldChg chg="addSp modSp mod">
+        <pc:chgData name="Judson Santiago" userId="ebb108da2f256286" providerId="LiveId" clId="{90F471B2-98DB-4815-966E-645702CF2738}" dt="2021-05-28T01:23:49.588" v="345" actId="6549"/>
+        <pc:sldMkLst>
+          <pc:docMk/>
+          <pc:sldMk cId="1964808361" sldId="302"/>
+        </pc:sldMkLst>
+        <pc:spChg chg="mod">
+          <ac:chgData name="Judson Santiago" userId="ebb108da2f256286" providerId="LiveId" clId="{90F471B2-98DB-4815-966E-645702CF2738}" dt="2021-05-28T01:23:49.588" v="345" actId="6549"/>
+          <ac:spMkLst>
+            <pc:docMk/>
+            <pc:sldMk cId="1964808361" sldId="302"/>
+            <ac:spMk id="4" creationId="{00000000-0000-0000-0000-000000000000}"/>
+          </ac:spMkLst>
+        </pc:spChg>
+        <pc:spChg chg="add mod">
+          <ac:chgData name="Judson Santiago" userId="ebb108da2f256286" providerId="LiveId" clId="{90F471B2-98DB-4815-966E-645702CF2738}" dt="2021-05-28T01:22:00.211" v="340"/>
+          <ac:spMkLst>
+            <pc:docMk/>
+            <pc:sldMk cId="1964808361" sldId="302"/>
+            <ac:spMk id="5" creationId="{888D5D0F-EC37-46A3-A2C1-A530369C440A}"/>
+          </ac:spMkLst>
+        </pc:spChg>
+      </pc:sldChg>
+      <pc:sldChg chg="addSp modSp">
+        <pc:chgData name="Judson Santiago" userId="ebb108da2f256286" providerId="LiveId" clId="{90F471B2-98DB-4815-966E-645702CF2738}" dt="2021-05-28T01:22:01.663" v="341"/>
+        <pc:sldMkLst>
+          <pc:docMk/>
+          <pc:sldMk cId="2231918628" sldId="303"/>
+        </pc:sldMkLst>
+        <pc:spChg chg="add mod">
+          <ac:chgData name="Judson Santiago" userId="ebb108da2f256286" providerId="LiveId" clId="{90F471B2-98DB-4815-966E-645702CF2738}" dt="2021-05-28T01:22:01.663" v="341"/>
+          <ac:spMkLst>
+            <pc:docMk/>
+            <pc:sldMk cId="2231918628" sldId="303"/>
+            <ac:spMk id="5" creationId="{84F88832-24F7-4F3B-90CD-63EE44AB89C5}"/>
+          </ac:spMkLst>
+        </pc:spChg>
+      </pc:sldChg>
+      <pc:sldChg chg="modSp mod">
+        <pc:chgData name="Judson Santiago" userId="ebb108da2f256286" providerId="LiveId" clId="{90F471B2-98DB-4815-966E-645702CF2738}" dt="2021-05-28T01:25:20.127" v="351" actId="20577"/>
+        <pc:sldMkLst>
+          <pc:docMk/>
+          <pc:sldMk cId="499976868" sldId="304"/>
+        </pc:sldMkLst>
+        <pc:spChg chg="mod">
+          <ac:chgData name="Judson Santiago" userId="ebb108da2f256286" providerId="LiveId" clId="{90F471B2-98DB-4815-966E-645702CF2738}" dt="2021-05-28T01:25:20.127" v="351" actId="20577"/>
+          <ac:spMkLst>
+            <pc:docMk/>
+            <pc:sldMk cId="499976868" sldId="304"/>
+            <ac:spMk id="5" creationId="{00000000-0000-0000-0000-000000000000}"/>
+          </ac:spMkLst>
+        </pc:spChg>
+      </pc:sldChg>
+      <pc:sldChg chg="modSp mod">
+        <pc:chgData name="Judson Santiago" userId="ebb108da2f256286" providerId="LiveId" clId="{90F471B2-98DB-4815-966E-645702CF2738}" dt="2021-05-28T01:31:58.953" v="405" actId="948"/>
+        <pc:sldMkLst>
+          <pc:docMk/>
+          <pc:sldMk cId="2347449722" sldId="305"/>
+        </pc:sldMkLst>
+        <pc:spChg chg="mod">
+          <ac:chgData name="Judson Santiago" userId="ebb108da2f256286" providerId="LiveId" clId="{90F471B2-98DB-4815-966E-645702CF2738}" dt="2021-05-28T01:31:58.953" v="405" actId="948"/>
+          <ac:spMkLst>
+            <pc:docMk/>
+            <pc:sldMk cId="2347449722" sldId="305"/>
+            <ac:spMk id="3" creationId="{00000000-0000-0000-0000-000000000000}"/>
+          </ac:spMkLst>
+        </pc:spChg>
+      </pc:sldChg>
+      <pc:sldChg chg="modSp mod">
+        <pc:chgData name="Judson Santiago" userId="ebb108da2f256286" providerId="LiveId" clId="{90F471B2-98DB-4815-966E-645702CF2738}" dt="2021-05-27T23:45:19.851" v="22" actId="17032"/>
+        <pc:sldMkLst>
+          <pc:docMk/>
+          <pc:sldMk cId="2840949135" sldId="306"/>
+        </pc:sldMkLst>
+        <pc:spChg chg="mod">
+          <ac:chgData name="Judson Santiago" userId="ebb108da2f256286" providerId="LiveId" clId="{90F471B2-98DB-4815-966E-645702CF2738}" dt="2021-05-27T23:30:03.974" v="20" actId="20577"/>
+          <ac:spMkLst>
+            <pc:docMk/>
+            <pc:sldMk cId="2840949135" sldId="306"/>
+            <ac:spMk id="2" creationId="{00000000-0000-0000-0000-000000000000}"/>
+          </ac:spMkLst>
+        </pc:spChg>
+        <pc:spChg chg="mod">
+          <ac:chgData name="Judson Santiago" userId="ebb108da2f256286" providerId="LiveId" clId="{90F471B2-98DB-4815-966E-645702CF2738}" dt="2021-05-27T23:45:19.851" v="22" actId="17032"/>
+          <ac:spMkLst>
+            <pc:docMk/>
+            <pc:sldMk cId="2840949135" sldId="306"/>
+            <ac:spMk id="7" creationId="{00000000-0000-0000-0000-000000000000}"/>
+          </ac:spMkLst>
+        </pc:spChg>
+        <pc:spChg chg="mod">
+          <ac:chgData name="Judson Santiago" userId="ebb108da2f256286" providerId="LiveId" clId="{90F471B2-98DB-4815-966E-645702CF2738}" dt="2021-05-27T23:45:19.851" v="22" actId="17032"/>
+          <ac:spMkLst>
+            <pc:docMk/>
+            <pc:sldMk cId="2840949135" sldId="306"/>
+            <ac:spMk id="8" creationId="{00000000-0000-0000-0000-000000000000}"/>
+          </ac:spMkLst>
+        </pc:spChg>
+      </pc:sldChg>
+      <pc:sldChg chg="modSp mod">
+        <pc:chgData name="Judson Santiago" userId="ebb108da2f256286" providerId="LiveId" clId="{90F471B2-98DB-4815-966E-645702CF2738}" dt="2021-05-27T23:29:38.924" v="10" actId="207"/>
+        <pc:sldMkLst>
+          <pc:docMk/>
+          <pc:sldMk cId="1062943732" sldId="307"/>
+        </pc:sldMkLst>
+        <pc:spChg chg="mod">
+          <ac:chgData name="Judson Santiago" userId="ebb108da2f256286" providerId="LiveId" clId="{90F471B2-98DB-4815-966E-645702CF2738}" dt="2021-05-27T23:29:38.924" v="10" actId="207"/>
+          <ac:spMkLst>
+            <pc:docMk/>
+            <pc:sldMk cId="1062943732" sldId="307"/>
+            <ac:spMk id="3" creationId="{00000000-0000-0000-0000-000000000000}"/>
+          </ac:spMkLst>
+        </pc:spChg>
+      </pc:sldChg>
+      <pc:sldChg chg="modSp mod">
+        <pc:chgData name="Judson Santiago" userId="ebb108da2f256286" providerId="LiveId" clId="{90F471B2-98DB-4815-966E-645702CF2738}" dt="2021-05-28T01:34:02.156" v="466" actId="20577"/>
+        <pc:sldMkLst>
+          <pc:docMk/>
+          <pc:sldMk cId="1974663608" sldId="309"/>
+        </pc:sldMkLst>
+        <pc:spChg chg="mod">
+          <ac:chgData name="Judson Santiago" userId="ebb108da2f256286" providerId="LiveId" clId="{90F471B2-98DB-4815-966E-645702CF2738}" dt="2021-05-28T01:34:02.156" v="466" actId="20577"/>
+          <ac:spMkLst>
+            <pc:docMk/>
+            <pc:sldMk cId="1974663608" sldId="309"/>
+            <ac:spMk id="2" creationId="{606F147E-0A39-41D3-B1ED-FF519DC88C02}"/>
+          </ac:spMkLst>
+        </pc:spChg>
+      </pc:sldChg>
+      <pc:sldChg chg="addSp modSp mod">
+        <pc:chgData name="Judson Santiago" userId="ebb108da2f256286" providerId="LiveId" clId="{90F471B2-98DB-4815-966E-645702CF2738}" dt="2021-05-28T01:34:31.487" v="469"/>
+        <pc:sldMkLst>
+          <pc:docMk/>
+          <pc:sldMk cId="2879293425" sldId="310"/>
+        </pc:sldMkLst>
+        <pc:spChg chg="mod">
+          <ac:chgData name="Judson Santiago" userId="ebb108da2f256286" providerId="LiveId" clId="{90F471B2-98DB-4815-966E-645702CF2738}" dt="2021-05-28T01:34:31.487" v="469"/>
+          <ac:spMkLst>
+            <pc:docMk/>
+            <pc:sldMk cId="2879293425" sldId="310"/>
+            <ac:spMk id="2" creationId="{606F147E-0A39-41D3-B1ED-FF519DC88C02}"/>
+          </ac:spMkLst>
+        </pc:spChg>
+        <pc:spChg chg="add mod">
+          <ac:chgData name="Judson Santiago" userId="ebb108da2f256286" providerId="LiveId" clId="{90F471B2-98DB-4815-966E-645702CF2738}" dt="2021-05-28T01:30:29.483" v="402" actId="20577"/>
+          <ac:spMkLst>
+            <pc:docMk/>
+            <pc:sldMk cId="2879293425" sldId="310"/>
+            <ac:spMk id="5" creationId="{E15949B0-DFE5-4390-9968-9F5AED92D94F}"/>
+          </ac:spMkLst>
+        </pc:spChg>
+      </pc:sldChg>
+      <pc:sldChg chg="addSp modSp mod">
+        <pc:chgData name="Judson Santiago" userId="ebb108da2f256286" providerId="LiveId" clId="{90F471B2-98DB-4815-966E-645702CF2738}" dt="2021-05-28T01:34:26.040" v="467"/>
+        <pc:sldMkLst>
+          <pc:docMk/>
+          <pc:sldMk cId="2218290321" sldId="311"/>
+        </pc:sldMkLst>
+        <pc:spChg chg="mod">
+          <ac:chgData name="Judson Santiago" userId="ebb108da2f256286" providerId="LiveId" clId="{90F471B2-98DB-4815-966E-645702CF2738}" dt="2021-05-28T01:34:26.040" v="467"/>
+          <ac:spMkLst>
+            <pc:docMk/>
+            <pc:sldMk cId="2218290321" sldId="311"/>
+            <ac:spMk id="2" creationId="{606F147E-0A39-41D3-B1ED-FF519DC88C02}"/>
+          </ac:spMkLst>
+        </pc:spChg>
+        <pc:spChg chg="add mod">
+          <ac:chgData name="Judson Santiago" userId="ebb108da2f256286" providerId="LiveId" clId="{90F471B2-98DB-4815-966E-645702CF2738}" dt="2021-05-28T01:30:25.546" v="399" actId="20577"/>
+          <ac:spMkLst>
+            <pc:docMk/>
+            <pc:sldMk cId="2218290321" sldId="311"/>
+            <ac:spMk id="5" creationId="{E4B53D96-C81D-4C3E-92C1-0A2715CEB17B}"/>
+          </ac:spMkLst>
+        </pc:spChg>
+      </pc:sldChg>
+      <pc:sldChg chg="modSp mod">
+        <pc:chgData name="Judson Santiago" userId="ebb108da2f256286" providerId="LiveId" clId="{90F471B2-98DB-4815-966E-645702CF2738}" dt="2021-05-28T01:34:28.494" v="468"/>
+        <pc:sldMkLst>
+          <pc:docMk/>
+          <pc:sldMk cId="1673031960" sldId="313"/>
+        </pc:sldMkLst>
+        <pc:spChg chg="mod">
+          <ac:chgData name="Judson Santiago" userId="ebb108da2f256286" providerId="LiveId" clId="{90F471B2-98DB-4815-966E-645702CF2738}" dt="2021-05-28T01:34:28.494" v="468"/>
+          <ac:spMkLst>
+            <pc:docMk/>
+            <pc:sldMk cId="1673031960" sldId="313"/>
+            <ac:spMk id="2" creationId="{00000000-0000-0000-0000-000000000000}"/>
+          </ac:spMkLst>
+        </pc:spChg>
+      </pc:sldChg>
+      <pc:sldChg chg="modSp mod">
+        <pc:chgData name="Judson Santiago" userId="ebb108da2f256286" providerId="LiveId" clId="{90F471B2-98DB-4815-966E-645702CF2738}" dt="2021-05-28T01:34:34.817" v="470"/>
+        <pc:sldMkLst>
+          <pc:docMk/>
+          <pc:sldMk cId="601355579" sldId="314"/>
+        </pc:sldMkLst>
+        <pc:spChg chg="mod">
+          <ac:chgData name="Judson Santiago" userId="ebb108da2f256286" providerId="LiveId" clId="{90F471B2-98DB-4815-966E-645702CF2738}" dt="2021-05-28T01:34:34.817" v="470"/>
+          <ac:spMkLst>
+            <pc:docMk/>
+            <pc:sldMk cId="601355579" sldId="314"/>
+            <ac:spMk id="2" creationId="{00000000-0000-0000-0000-000000000000}"/>
+          </ac:spMkLst>
+        </pc:spChg>
+      </pc:sldChg>
+      <pc:sldMasterChg chg="setBg modSldLayout">
+        <pc:chgData name="Judson Santiago" userId="ebb108da2f256286" providerId="LiveId" clId="{90F471B2-98DB-4815-966E-645702CF2738}" dt="2021-05-27T20:20:09.246" v="4"/>
+        <pc:sldMasterMkLst>
+          <pc:docMk/>
+          <pc:sldMasterMk cId="0" sldId="2147483660"/>
+        </pc:sldMasterMkLst>
+        <pc:sldLayoutChg chg="addSp modSp mod">
+          <pc:chgData name="Judson Santiago" userId="ebb108da2f256286" providerId="LiveId" clId="{90F471B2-98DB-4815-966E-645702CF2738}" dt="2021-05-27T20:18:03.631" v="1" actId="167"/>
+          <pc:sldLayoutMkLst>
+            <pc:docMk/>
+            <pc:sldMasterMk cId="0" sldId="2147483660"/>
+            <pc:sldLayoutMk cId="0" sldId="2147483661"/>
+          </pc:sldLayoutMkLst>
+          <pc:picChg chg="add mod ord">
+            <ac:chgData name="Judson Santiago" userId="ebb108da2f256286" providerId="LiveId" clId="{90F471B2-98DB-4815-966E-645702CF2738}" dt="2021-05-27T20:18:03.631" v="1" actId="167"/>
+            <ac:picMkLst>
+              <pc:docMk/>
+              <pc:sldMasterMk cId="0" sldId="2147483660"/>
+              <pc:sldLayoutMk cId="0" sldId="2147483661"/>
+              <ac:picMk id="13" creationId="{43F86FEB-CB6D-4EF1-AC3F-208A7918D4FA}"/>
+            </ac:picMkLst>
+          </pc:picChg>
+        </pc:sldLayoutChg>
+      </pc:sldMasterChg>
+    </pc:docChg>
+  </pc:docChgLst>
+  <pc:docChgLst>
     <pc:chgData name="Judson Santiago" userId="ebb108da2f256286" providerId="LiveId" clId="{B6591646-78B6-4806-815E-BA394591CE75}"/>
     <pc:docChg chg="undo redo custSel addSld delSld modSld">
       <pc:chgData name="Judson Santiago" userId="ebb108da2f256286" providerId="LiveId" clId="{B6591646-78B6-4806-815E-BA394591CE75}" dt="2019-09-22T18:40:31.704" v="409" actId="20577"/>
@@ -1701,7 +2141,7 @@
             <a:fld id="{930E53B6-818D-417C-BFE0-5C5C2F79A7B0}" type="datetimeFigureOut">
               <a:rPr lang="pt-BR" smtClean="0"/>
               <a:pPr/>
-              <a:t>29/01/2020</a:t>
+              <a:t>27/05/2021</a:t>
             </a:fld>
             <a:endParaRPr lang="pt-BR"/>
           </a:p>
@@ -2064,6 +2504,118 @@
 </p:notes>
 </file>
 
+<file path=ppt/notesSlides/notesSlide10.xml><?xml version="1.0" encoding="utf-8"?>
+<p:notes xmlns:a="http://schemas.openxmlformats.org/drawingml/2006/main" xmlns:r="http://schemas.openxmlformats.org/officeDocument/2006/relationships" xmlns:p="http://schemas.openxmlformats.org/presentationml/2006/main">
+  <p:cSld>
+    <p:spTree>
+      <p:nvGrpSpPr>
+        <p:cNvPr id="1" name=""/>
+        <p:cNvGrpSpPr/>
+        <p:nvPr/>
+      </p:nvGrpSpPr>
+      <p:grpSpPr>
+        <a:xfrm>
+          <a:off x="0" y="0"/>
+          <a:ext cx="0" cy="0"/>
+          <a:chOff x="0" y="0"/>
+          <a:chExt cx="0" cy="0"/>
+        </a:xfrm>
+      </p:grpSpPr>
+      <p:sp>
+        <p:nvSpPr>
+          <p:cNvPr id="2" name="Espaço Reservado para Imagem de Slide 1"/>
+          <p:cNvSpPr>
+            <a:spLocks noGrp="1" noRot="1" noChangeAspect="1"/>
+          </p:cNvSpPr>
+          <p:nvPr>
+            <p:ph type="sldImg"/>
+          </p:nvPr>
+        </p:nvSpPr>
+        <p:spPr>
+          <a:xfrm>
+            <a:off x="381000" y="685800"/>
+            <a:ext cx="6096000" cy="3429000"/>
+          </a:xfrm>
+        </p:spPr>
+      </p:sp>
+      <p:sp>
+        <p:nvSpPr>
+          <p:cNvPr id="3" name="Espaço Reservado para Anotações 2"/>
+          <p:cNvSpPr>
+            <a:spLocks noGrp="1"/>
+          </p:cNvSpPr>
+          <p:nvPr>
+            <p:ph type="body" idx="1"/>
+          </p:nvPr>
+        </p:nvSpPr>
+        <p:spPr/>
+        <p:txBody>
+          <a:bodyPr/>
+          <a:lstStyle/>
+          <a:p>
+            <a:r>
+              <a:rPr lang="pt-BR" dirty="0"/>
+              <a:t>Números ponto flutuante que são</a:t>
+            </a:r>
+            <a:r>
+              <a:rPr lang="pt-BR" baseline="0" dirty="0"/>
+              <a:t> exibidos na tela e em num arquivo texto como 6.5, pode ter um valor real de 6.4999, por exemplo. </a:t>
+            </a:r>
+          </a:p>
+          <a:p>
+            <a:r>
+              <a:rPr lang="pt-BR" baseline="0" dirty="0"/>
+              <a:t>Linux usa CR, </a:t>
+            </a:r>
+            <a:r>
+              <a:rPr lang="pt-BR" baseline="0" dirty="0" err="1"/>
+              <a:t>MacOS</a:t>
+            </a:r>
+            <a:r>
+              <a:rPr lang="pt-BR" baseline="0" dirty="0"/>
+              <a:t> usa LF e o Windows usa os dois caracteres para marcar o fim de linha.</a:t>
+            </a:r>
+            <a:endParaRPr lang="pt-BR" dirty="0"/>
+          </a:p>
+        </p:txBody>
+      </p:sp>
+      <p:sp>
+        <p:nvSpPr>
+          <p:cNvPr id="4" name="Espaço Reservado para Número de Slide 3"/>
+          <p:cNvSpPr>
+            <a:spLocks noGrp="1"/>
+          </p:cNvSpPr>
+          <p:nvPr>
+            <p:ph type="sldNum" sz="quarter" idx="10"/>
+          </p:nvPr>
+        </p:nvSpPr>
+        <p:spPr/>
+        <p:txBody>
+          <a:bodyPr/>
+          <a:lstStyle/>
+          <a:p>
+            <a:fld id="{DDE89101-08F7-49D2-8214-2A594991CB0B}" type="slidenum">
+              <a:rPr lang="pt-BR" smtClean="0"/>
+              <a:pPr/>
+              <a:t>20</a:t>
+            </a:fld>
+            <a:endParaRPr lang="pt-BR"/>
+          </a:p>
+        </p:txBody>
+      </p:sp>
+    </p:spTree>
+    <p:extLst>
+      <p:ext uri="{BB962C8B-B14F-4D97-AF65-F5344CB8AC3E}">
+        <p14:creationId xmlns:p14="http://schemas.microsoft.com/office/powerpoint/2010/main" val="4262393956"/>
+      </p:ext>
+    </p:extLst>
+  </p:cSld>
+  <p:clrMapOvr>
+    <a:masterClrMapping/>
+  </p:clrMapOvr>
+</p:notes>
+</file>
+
 <file path=ppt/notesSlides/notesSlide2.xml><?xml version="1.0" encoding="utf-8"?>
 <p:notes xmlns:a="http://schemas.openxmlformats.org/drawingml/2006/main" xmlns:r="http://schemas.openxmlformats.org/officeDocument/2006/relationships" xmlns:p="http://schemas.openxmlformats.org/presentationml/2006/main">
   <p:cSld>
@@ -2352,12 +2904,7 @@
             <p:ph type="sldImg"/>
           </p:nvPr>
         </p:nvSpPr>
-        <p:spPr>
-          <a:xfrm>
-            <a:off x="381000" y="685800"/>
-            <a:ext cx="6096000" cy="3429000"/>
-          </a:xfrm>
-        </p:spPr>
+        <p:spPr/>
       </p:sp>
       <p:sp>
         <p:nvSpPr>
@@ -2374,6 +2921,43 @@
           <a:bodyPr/>
           <a:lstStyle/>
           <a:p>
+            <a:r>
+              <a:rPr lang="pt-BR" sz="1200" dirty="0">
+                <a:latin typeface="+mj-lt"/>
+              </a:rPr>
+              <a:t>00000001: 1</a:t>
+            </a:r>
+          </a:p>
+          <a:p>
+            <a:r>
+              <a:rPr lang="pt-BR" sz="1200" dirty="0">
+                <a:latin typeface="+mj-lt"/>
+              </a:rPr>
+              <a:t>00000010: 2</a:t>
+            </a:r>
+          </a:p>
+          <a:p>
+            <a:r>
+              <a:rPr lang="pt-BR" sz="1200" dirty="0">
+                <a:latin typeface="+mj-lt"/>
+              </a:rPr>
+              <a:t>---------------</a:t>
+            </a:r>
+          </a:p>
+          <a:p>
+            <a:r>
+              <a:rPr lang="pt-BR" sz="1200" dirty="0">
+                <a:latin typeface="+mj-lt"/>
+              </a:rPr>
+              <a:t>00000011: 3</a:t>
+            </a:r>
+          </a:p>
+          <a:p>
+            <a:endParaRPr lang="pt-BR" sz="1200" dirty="0">
+              <a:latin typeface="+mj-lt"/>
+            </a:endParaRPr>
+          </a:p>
+          <a:p>
             <a:endParaRPr lang="pt-BR" dirty="0"/>
           </a:p>
         </p:txBody>
@@ -2385,7 +2969,7 @@
             <a:spLocks noGrp="1"/>
           </p:cNvSpPr>
           <p:nvPr>
-            <p:ph type="sldNum" sz="quarter" idx="10"/>
+            <p:ph type="sldNum" sz="quarter" idx="5"/>
           </p:nvPr>
         </p:nvSpPr>
         <p:spPr/>
@@ -2396,7 +2980,7 @@
             <a:fld id="{DDE89101-08F7-49D2-8214-2A594991CB0B}" type="slidenum">
               <a:rPr lang="pt-BR" smtClean="0"/>
               <a:pPr/>
-              <a:t>8</a:t>
+              <a:t>7</a:t>
             </a:fld>
             <a:endParaRPr lang="pt-BR"/>
           </a:p>
@@ -2405,7 +2989,7 @@
     </p:spTree>
     <p:extLst>
       <p:ext uri="{BB962C8B-B14F-4D97-AF65-F5344CB8AC3E}">
-        <p14:creationId xmlns:p14="http://schemas.microsoft.com/office/powerpoint/2010/main" val="4171959121"/>
+        <p14:creationId xmlns:p14="http://schemas.microsoft.com/office/powerpoint/2010/main" val="1382026791"/>
       </p:ext>
     </p:extLst>
   </p:cSld>
@@ -2464,22 +3048,6 @@
           <a:bodyPr/>
           <a:lstStyle/>
           <a:p>
-            <a:r>
-              <a:rPr lang="pt-BR" dirty="0"/>
-              <a:t>* A função </a:t>
-            </a:r>
-            <a:r>
-              <a:rPr lang="pt-BR" dirty="0" err="1"/>
-              <a:t>write</a:t>
-            </a:r>
-            <a:r>
-              <a:rPr lang="pt-BR" dirty="0"/>
-              <a:t> foi projetada para ser usada em arquivos texto, mas como seu trabalho é copiar bits, ela</a:t>
-            </a:r>
-            <a:r>
-              <a:rPr lang="pt-BR" baseline="0" dirty="0"/>
-              <a:t> funciona igualmente bem para arquivos binários.</a:t>
-            </a:r>
             <a:endParaRPr lang="pt-BR" dirty="0"/>
           </a:p>
         </p:txBody>
@@ -2502,7 +3070,7 @@
             <a:fld id="{DDE89101-08F7-49D2-8214-2A594991CB0B}" type="slidenum">
               <a:rPr lang="pt-BR" smtClean="0"/>
               <a:pPr/>
-              <a:t>9</a:t>
+              <a:t>8</a:t>
             </a:fld>
             <a:endParaRPr lang="pt-BR"/>
           </a:p>
@@ -2511,7 +3079,7 @@
     </p:spTree>
     <p:extLst>
       <p:ext uri="{BB962C8B-B14F-4D97-AF65-F5344CB8AC3E}">
-        <p14:creationId xmlns:p14="http://schemas.microsoft.com/office/powerpoint/2010/main" val="2708536538"/>
+        <p14:creationId xmlns:p14="http://schemas.microsoft.com/office/powerpoint/2010/main" val="4171959121"/>
       </p:ext>
     </p:extLst>
   </p:cSld>
@@ -2548,7 +3116,12 @@
             <p:ph type="sldImg"/>
           </p:nvPr>
         </p:nvSpPr>
-        <p:spPr/>
+        <p:spPr>
+          <a:xfrm>
+            <a:off x="381000" y="685800"/>
+            <a:ext cx="6096000" cy="3429000"/>
+          </a:xfrm>
+        </p:spPr>
       </p:sp>
       <p:sp>
         <p:nvSpPr>
@@ -2565,6 +3138,22 @@
           <a:bodyPr/>
           <a:lstStyle/>
           <a:p>
+            <a:r>
+              <a:rPr lang="pt-BR" dirty="0"/>
+              <a:t>* A função </a:t>
+            </a:r>
+            <a:r>
+              <a:rPr lang="pt-BR" dirty="0" err="1"/>
+              <a:t>write</a:t>
+            </a:r>
+            <a:r>
+              <a:rPr lang="pt-BR" dirty="0"/>
+              <a:t> foi projetada para ser usada em arquivos texto, mas como seu trabalho é copiar bits, ela</a:t>
+            </a:r>
+            <a:r>
+              <a:rPr lang="pt-BR" baseline="0" dirty="0"/>
+              <a:t> funciona igualmente bem para arquivos binários.</a:t>
+            </a:r>
             <a:endParaRPr lang="pt-BR" dirty="0"/>
           </a:p>
         </p:txBody>
@@ -2576,7 +3165,7 @@
             <a:spLocks noGrp="1"/>
           </p:cNvSpPr>
           <p:nvPr>
-            <p:ph type="sldNum" sz="quarter" idx="5"/>
+            <p:ph type="sldNum" sz="quarter" idx="10"/>
           </p:nvPr>
         </p:nvSpPr>
         <p:spPr/>
@@ -2587,7 +3176,7 @@
             <a:fld id="{DDE89101-08F7-49D2-8214-2A594991CB0B}" type="slidenum">
               <a:rPr lang="pt-BR" smtClean="0"/>
               <a:pPr/>
-              <a:t>15</a:t>
+              <a:t>9</a:t>
             </a:fld>
             <a:endParaRPr lang="pt-BR"/>
           </a:p>
@@ -2596,7 +3185,7 @@
     </p:spTree>
     <p:extLst>
       <p:ext uri="{BB962C8B-B14F-4D97-AF65-F5344CB8AC3E}">
-        <p14:creationId xmlns:p14="http://schemas.microsoft.com/office/powerpoint/2010/main" val="2116082391"/>
+        <p14:creationId xmlns:p14="http://schemas.microsoft.com/office/powerpoint/2010/main" val="2708536538"/>
       </p:ext>
     </p:extLst>
   </p:cSld>
@@ -2672,7 +3261,7 @@
             <a:fld id="{DDE89101-08F7-49D2-8214-2A594991CB0B}" type="slidenum">
               <a:rPr lang="pt-BR" smtClean="0"/>
               <a:pPr/>
-              <a:t>16</a:t>
+              <a:t>15</a:t>
             </a:fld>
             <a:endParaRPr lang="pt-BR"/>
           </a:p>
@@ -2681,7 +3270,7 @@
     </p:spTree>
     <p:extLst>
       <p:ext uri="{BB962C8B-B14F-4D97-AF65-F5344CB8AC3E}">
-        <p14:creationId xmlns:p14="http://schemas.microsoft.com/office/powerpoint/2010/main" val="2925365415"/>
+        <p14:creationId xmlns:p14="http://schemas.microsoft.com/office/powerpoint/2010/main" val="2116082391"/>
       </p:ext>
     </p:extLst>
   </p:cSld>
@@ -2757,7 +3346,7 @@
             <a:fld id="{DDE89101-08F7-49D2-8214-2A594991CB0B}" type="slidenum">
               <a:rPr lang="pt-BR" smtClean="0"/>
               <a:pPr/>
-              <a:t>18</a:t>
+              <a:t>16</a:t>
             </a:fld>
             <a:endParaRPr lang="pt-BR"/>
           </a:p>
@@ -2766,7 +3355,7 @@
     </p:spTree>
     <p:extLst>
       <p:ext uri="{BB962C8B-B14F-4D97-AF65-F5344CB8AC3E}">
-        <p14:creationId xmlns:p14="http://schemas.microsoft.com/office/powerpoint/2010/main" val="2785863855"/>
+        <p14:creationId xmlns:p14="http://schemas.microsoft.com/office/powerpoint/2010/main" val="2925365415"/>
       </p:ext>
     </p:extLst>
   </p:cSld>
@@ -2803,12 +3392,7 @@
             <p:ph type="sldImg"/>
           </p:nvPr>
         </p:nvSpPr>
-        <p:spPr>
-          <a:xfrm>
-            <a:off x="381000" y="685800"/>
-            <a:ext cx="6096000" cy="3429000"/>
-          </a:xfrm>
-        </p:spPr>
+        <p:spPr/>
       </p:sp>
       <p:sp>
         <p:nvSpPr>
@@ -2825,28 +3409,6 @@
           <a:bodyPr/>
           <a:lstStyle/>
           <a:p>
-            <a:r>
-              <a:rPr lang="pt-BR" dirty="0"/>
-              <a:t>Números ponto flutuante que são</a:t>
-            </a:r>
-            <a:r>
-              <a:rPr lang="pt-BR" baseline="0" dirty="0"/>
-              <a:t> exibidos na tela e em num arquivo texto como 6.5, pode ter um valor real de 6.4999, por exemplo. </a:t>
-            </a:r>
-          </a:p>
-          <a:p>
-            <a:r>
-              <a:rPr lang="pt-BR" baseline="0" dirty="0"/>
-              <a:t>Linux usa CR, </a:t>
-            </a:r>
-            <a:r>
-              <a:rPr lang="pt-BR" baseline="0" dirty="0" err="1"/>
-              <a:t>MacOS</a:t>
-            </a:r>
-            <a:r>
-              <a:rPr lang="pt-BR" baseline="0" dirty="0"/>
-              <a:t> usa LF e o Windows usa os dois caracteres para marcar o fim de linha.</a:t>
-            </a:r>
             <a:endParaRPr lang="pt-BR" dirty="0"/>
           </a:p>
         </p:txBody>
@@ -2858,7 +3420,7 @@
             <a:spLocks noGrp="1"/>
           </p:cNvSpPr>
           <p:nvPr>
-            <p:ph type="sldNum" sz="quarter" idx="10"/>
+            <p:ph type="sldNum" sz="quarter" idx="5"/>
           </p:nvPr>
         </p:nvSpPr>
         <p:spPr/>
@@ -2869,7 +3431,7 @@
             <a:fld id="{DDE89101-08F7-49D2-8214-2A594991CB0B}" type="slidenum">
               <a:rPr lang="pt-BR" smtClean="0"/>
               <a:pPr/>
-              <a:t>20</a:t>
+              <a:t>18</a:t>
             </a:fld>
             <a:endParaRPr lang="pt-BR"/>
           </a:p>
@@ -2878,7 +3440,7 @@
     </p:spTree>
     <p:extLst>
       <p:ext uri="{BB962C8B-B14F-4D97-AF65-F5344CB8AC3E}">
-        <p14:creationId xmlns:p14="http://schemas.microsoft.com/office/powerpoint/2010/main" val="4262393956"/>
+        <p14:creationId xmlns:p14="http://schemas.microsoft.com/office/powerpoint/2010/main" val="2785863855"/>
       </p:ext>
     </p:extLst>
   </p:cSld>
@@ -2905,6 +3467,37 @@
           <a:chExt cx="0" cy="0"/>
         </a:xfrm>
       </p:grpSpPr>
+      <p:pic>
+        <p:nvPicPr>
+          <p:cNvPr id="13" name="Picture 3" descr="Rede de tecnologia iluminada em uma tela de fundo escura">
+            <a:extLst>
+              <a:ext uri="{FF2B5EF4-FFF2-40B4-BE49-F238E27FC236}">
+                <a16:creationId xmlns:a16="http://schemas.microsoft.com/office/drawing/2014/main" id="{43F86FEB-CB6D-4EF1-AC3F-208A7918D4FA}"/>
+              </a:ext>
+            </a:extLst>
+          </p:cNvPr>
+          <p:cNvPicPr>
+            <a:picLocks noChangeAspect="1"/>
+          </p:cNvPicPr>
+          <p:nvPr userDrawn="1"/>
+        </p:nvPicPr>
+        <p:blipFill rotWithShape="1">
+          <a:blip r:embed="rId2">
+            <a:alphaModFix amt="30000"/>
+          </a:blip>
+          <a:srcRect t="22329"/>
+          <a:stretch/>
+        </p:blipFill>
+        <p:spPr>
+          <a:xfrm flipH="1" flipV="1">
+            <a:off x="487680" y="0"/>
+            <a:ext cx="11704320" cy="6858000"/>
+          </a:xfrm>
+          <a:prstGeom prst="rect">
+            <a:avLst/>
+          </a:prstGeom>
+        </p:spPr>
+      </p:pic>
       <p:sp>
         <p:nvSpPr>
           <p:cNvPr id="28" name="Espaço Reservado para Data 27"/>
@@ -2923,7 +3516,7 @@
             <a:fld id="{275F0C2A-2D46-4BF1-8C5E-F57D7C710160}" type="datetimeFigureOut">
               <a:rPr lang="pt-BR" smtClean="0"/>
               <a:pPr/>
-              <a:t>29/01/2020</a:t>
+              <a:t>27/05/2021</a:t>
             </a:fld>
             <a:endParaRPr lang="pt-BR"/>
           </a:p>
@@ -3478,7 +4071,7 @@
             <a:fld id="{275F0C2A-2D46-4BF1-8C5E-F57D7C710160}" type="datetimeFigureOut">
               <a:rPr lang="pt-BR" smtClean="0"/>
               <a:pPr/>
-              <a:t>29/01/2020</a:t>
+              <a:t>27/05/2021</a:t>
             </a:fld>
             <a:endParaRPr lang="pt-BR"/>
           </a:p>
@@ -3655,7 +4248,7 @@
             <a:fld id="{275F0C2A-2D46-4BF1-8C5E-F57D7C710160}" type="datetimeFigureOut">
               <a:rPr lang="pt-BR" smtClean="0"/>
               <a:pPr/>
-              <a:t>29/01/2020</a:t>
+              <a:t>27/05/2021</a:t>
             </a:fld>
             <a:endParaRPr lang="pt-BR"/>
           </a:p>
@@ -3822,7 +4415,7 @@
             <a:fld id="{275F0C2A-2D46-4BF1-8C5E-F57D7C710160}" type="datetimeFigureOut">
               <a:rPr lang="pt-BR" smtClean="0"/>
               <a:pPr/>
-              <a:t>29/01/2020</a:t>
+              <a:t>27/05/2021</a:t>
             </a:fld>
             <a:endParaRPr lang="pt-BR"/>
           </a:p>
@@ -5271,7 +5864,7 @@
             <a:fld id="{275F0C2A-2D46-4BF1-8C5E-F57D7C710160}" type="datetimeFigureOut">
               <a:rPr lang="pt-BR" smtClean="0"/>
               <a:pPr/>
-              <a:t>29/01/2020</a:t>
+              <a:t>27/05/2021</a:t>
             </a:fld>
             <a:endParaRPr lang="pt-BR"/>
           </a:p>
@@ -5853,7 +6446,7 @@
             <a:fld id="{275F0C2A-2D46-4BF1-8C5E-F57D7C710160}" type="datetimeFigureOut">
               <a:rPr lang="pt-BR" smtClean="0"/>
               <a:pPr/>
-              <a:t>29/01/2020</a:t>
+              <a:t>27/05/2021</a:t>
             </a:fld>
             <a:endParaRPr lang="pt-BR"/>
           </a:p>
@@ -6284,7 +6877,7 @@
             <a:fld id="{275F0C2A-2D46-4BF1-8C5E-F57D7C710160}" type="datetimeFigureOut">
               <a:rPr lang="pt-BR" smtClean="0"/>
               <a:pPr/>
-              <a:t>29/01/2020</a:t>
+              <a:t>27/05/2021</a:t>
             </a:fld>
             <a:endParaRPr lang="pt-BR"/>
           </a:p>
@@ -6823,7 +7416,7 @@
             <a:fld id="{275F0C2A-2D46-4BF1-8C5E-F57D7C710160}" type="datetimeFigureOut">
               <a:rPr lang="pt-BR" smtClean="0"/>
               <a:pPr/>
-              <a:t>29/01/2020</a:t>
+              <a:t>27/05/2021</a:t>
             </a:fld>
             <a:endParaRPr lang="pt-BR"/>
           </a:p>
@@ -6915,7 +7508,7 @@
             <a:fld id="{275F0C2A-2D46-4BF1-8C5E-F57D7C710160}" type="datetimeFigureOut">
               <a:rPr lang="pt-BR" smtClean="0"/>
               <a:pPr/>
-              <a:t>29/01/2020</a:t>
+              <a:t>27/05/2021</a:t>
             </a:fld>
             <a:endParaRPr lang="pt-BR"/>
           </a:p>
@@ -7165,7 +7758,7 @@
             <a:fld id="{275F0C2A-2D46-4BF1-8C5E-F57D7C710160}" type="datetimeFigureOut">
               <a:rPr lang="pt-BR" smtClean="0"/>
               <a:pPr/>
-              <a:t>29/01/2020</a:t>
+              <a:t>27/05/2021</a:t>
             </a:fld>
             <a:endParaRPr lang="pt-BR"/>
           </a:p>
@@ -7880,7 +8473,7 @@
             <a:fld id="{275F0C2A-2D46-4BF1-8C5E-F57D7C710160}" type="datetimeFigureOut">
               <a:rPr lang="pt-BR" smtClean="0"/>
               <a:pPr/>
-              <a:t>29/01/2020</a:t>
+              <a:t>27/05/2021</a:t>
             </a:fld>
             <a:endParaRPr lang="pt-BR"/>
           </a:p>
@@ -7951,9 +8544,23 @@
 <p:sldMaster xmlns:a="http://schemas.openxmlformats.org/drawingml/2006/main" xmlns:r="http://schemas.openxmlformats.org/officeDocument/2006/relationships" xmlns:p="http://schemas.openxmlformats.org/presentationml/2006/main">
   <p:cSld>
     <p:bg>
-      <p:bgRef idx="1002">
-        <a:schemeClr val="bg2"/>
-      </p:bgRef>
+      <p:bgPr>
+        <a:gradFill rotWithShape="1">
+          <a:gsLst>
+            <a:gs pos="50000">
+              <a:schemeClr val="bg1">
+                <a:shade val="90000"/>
+                <a:satMod val="375000"/>
+              </a:schemeClr>
+            </a:gs>
+            <a:gs pos="100000">
+              <a:srgbClr val="28415E"/>
+            </a:gs>
+          </a:gsLst>
+          <a:lin ang="5400000" scaled="0"/>
+        </a:gradFill>
+        <a:effectLst/>
+      </p:bgPr>
     </p:bg>
     <p:spTree>
       <p:nvGrpSpPr>
@@ -8147,7 +8754,7 @@
             <a:fld id="{275F0C2A-2D46-4BF1-8C5E-F57D7C710160}" type="datetimeFigureOut">
               <a:rPr lang="pt-BR" smtClean="0"/>
               <a:pPr/>
-              <a:t>29/01/2020</a:t>
+              <a:t>27/05/2021</a:t>
             </a:fld>
             <a:endParaRPr lang="pt-BR"/>
           </a:p>
@@ -9831,6 +10438,48 @@
           </a:p>
         </p:txBody>
       </p:sp>
+      <p:sp>
+        <p:nvSpPr>
+          <p:cNvPr id="5" name="CaixaDeTexto 4">
+            <a:extLst>
+              <a:ext uri="{FF2B5EF4-FFF2-40B4-BE49-F238E27FC236}">
+                <a16:creationId xmlns:a16="http://schemas.microsoft.com/office/drawing/2014/main" id="{2FF8F720-BF56-488B-8638-78C05A07EA17}"/>
+              </a:ext>
+            </a:extLst>
+          </p:cNvPr>
+          <p:cNvSpPr txBox="1"/>
+          <p:nvPr/>
+        </p:nvSpPr>
+        <p:spPr>
+          <a:xfrm rot="16200000">
+            <a:off x="-714272" y="5774776"/>
+            <a:ext cx="1800200" cy="276999"/>
+          </a:xfrm>
+          <a:prstGeom prst="rect">
+            <a:avLst/>
+          </a:prstGeom>
+          <a:noFill/>
+        </p:spPr>
+        <p:txBody>
+          <a:bodyPr wrap="square" rtlCol="0">
+            <a:spAutoFit/>
+          </a:bodyPr>
+          <a:lstStyle/>
+          <a:p>
+            <a:r>
+              <a:rPr lang="pt-BR" sz="1200" dirty="0">
+                <a:solidFill>
+                  <a:schemeClr val="bg2">
+                    <a:lumMod val="50000"/>
+                  </a:schemeClr>
+                </a:solidFill>
+                <a:latin typeface="+mj-lt"/>
+              </a:rPr>
+              <a:t>// Planetas.cpp</a:t>
+            </a:r>
+          </a:p>
+        </p:txBody>
+      </p:sp>
     </p:spTree>
     <p:extLst>
       <p:ext uri="{BB962C8B-B14F-4D97-AF65-F5344CB8AC3E}">
@@ -9892,7 +10541,7 @@
         <p:spPr>
           <a:xfrm>
             <a:off x="1219200" y="1785926"/>
-            <a:ext cx="10363200" cy="4832092"/>
+            <a:ext cx="10363200" cy="4616648"/>
           </a:xfrm>
           <a:prstGeom prst="rect">
             <a:avLst/>
@@ -10175,23 +10824,7 @@
               <a:rPr lang="pt-BR" sz="1400" dirty="0">
                 <a:latin typeface="+mj-lt"/>
               </a:rPr>
-              <a:t>     }  </a:t>
-            </a:r>
-            <a:endParaRPr lang="pt-BR" sz="1400" dirty="0">
-              <a:solidFill>
-                <a:schemeClr val="tx1">
-                  <a:lumMod val="50000"/>
-                </a:schemeClr>
-              </a:solidFill>
-              <a:latin typeface="+mj-lt"/>
-            </a:endParaRPr>
-          </a:p>
-          <a:p>
-            <a:r>
-              <a:rPr lang="pt-BR" sz="1400" dirty="0">
-                <a:latin typeface="+mj-lt"/>
-              </a:rPr>
-              <a:t>    </a:t>
+              <a:t>     }     </a:t>
             </a:r>
           </a:p>
           <a:p>
@@ -10481,6 +11114,48 @@
                 <a:latin typeface="+mj-lt"/>
               </a:rPr>
               <a:t>     }</a:t>
+            </a:r>
+          </a:p>
+        </p:txBody>
+      </p:sp>
+      <p:sp>
+        <p:nvSpPr>
+          <p:cNvPr id="5" name="CaixaDeTexto 4">
+            <a:extLst>
+              <a:ext uri="{FF2B5EF4-FFF2-40B4-BE49-F238E27FC236}">
+                <a16:creationId xmlns:a16="http://schemas.microsoft.com/office/drawing/2014/main" id="{888D5D0F-EC37-46A3-A2C1-A530369C440A}"/>
+              </a:ext>
+            </a:extLst>
+          </p:cNvPr>
+          <p:cNvSpPr txBox="1"/>
+          <p:nvPr/>
+        </p:nvSpPr>
+        <p:spPr>
+          <a:xfrm rot="16200000">
+            <a:off x="-714272" y="5774776"/>
+            <a:ext cx="1800200" cy="276999"/>
+          </a:xfrm>
+          <a:prstGeom prst="rect">
+            <a:avLst/>
+          </a:prstGeom>
+          <a:noFill/>
+        </p:spPr>
+        <p:txBody>
+          <a:bodyPr wrap="square" rtlCol="0">
+            <a:spAutoFit/>
+          </a:bodyPr>
+          <a:lstStyle/>
+          <a:p>
+            <a:r>
+              <a:rPr lang="pt-BR" sz="1200" dirty="0">
+                <a:solidFill>
+                  <a:schemeClr val="bg2">
+                    <a:lumMod val="50000"/>
+                  </a:schemeClr>
+                </a:solidFill>
+                <a:latin typeface="+mj-lt"/>
+              </a:rPr>
+              <a:t>// Planetas.cpp</a:t>
             </a:r>
           </a:p>
         </p:txBody>
@@ -11131,6 +11806,48 @@
           </a:p>
         </p:txBody>
       </p:sp>
+      <p:sp>
+        <p:nvSpPr>
+          <p:cNvPr id="5" name="CaixaDeTexto 4">
+            <a:extLst>
+              <a:ext uri="{FF2B5EF4-FFF2-40B4-BE49-F238E27FC236}">
+                <a16:creationId xmlns:a16="http://schemas.microsoft.com/office/drawing/2014/main" id="{84F88832-24F7-4F3B-90CD-63EE44AB89C5}"/>
+              </a:ext>
+            </a:extLst>
+          </p:cNvPr>
+          <p:cNvSpPr txBox="1"/>
+          <p:nvPr/>
+        </p:nvSpPr>
+        <p:spPr>
+          <a:xfrm rot="16200000">
+            <a:off x="-714272" y="5774776"/>
+            <a:ext cx="1800200" cy="276999"/>
+          </a:xfrm>
+          <a:prstGeom prst="rect">
+            <a:avLst/>
+          </a:prstGeom>
+          <a:noFill/>
+        </p:spPr>
+        <p:txBody>
+          <a:bodyPr wrap="square" rtlCol="0">
+            <a:spAutoFit/>
+          </a:bodyPr>
+          <a:lstStyle/>
+          <a:p>
+            <a:r>
+              <a:rPr lang="pt-BR" sz="1200" dirty="0">
+                <a:solidFill>
+                  <a:schemeClr val="bg2">
+                    <a:lumMod val="50000"/>
+                  </a:schemeClr>
+                </a:solidFill>
+                <a:latin typeface="+mj-lt"/>
+              </a:rPr>
+              <a:t>// Planetas.cpp</a:t>
+            </a:r>
+          </a:p>
+        </p:txBody>
+      </p:sp>
     </p:spTree>
     <p:extLst>
       <p:ext uri="{BB962C8B-B14F-4D97-AF65-F5344CB8AC3E}">
@@ -11264,7 +11981,7 @@
               <a:rPr lang="pt-BR" sz="1400" dirty="0">
                 <a:latin typeface="+mj-lt"/>
               </a:rPr>
-              <a:t>Marte 2 9.81</a:t>
+              <a:t>Marte 3 9.81</a:t>
             </a:r>
           </a:p>
           <a:p>
@@ -11298,7 +12015,10 @@
             <a:r>
               <a:rPr lang="pt-BR" sz="1400" b="1" dirty="0">
                 <a:solidFill>
-                  <a:schemeClr val="accent3"/>
+                  <a:schemeClr val="accent3">
+                    <a:lumMod val="60000"/>
+                    <a:lumOff val="40000"/>
+                  </a:schemeClr>
                 </a:solidFill>
                 <a:latin typeface="+mj-lt"/>
               </a:rPr>
@@ -11315,7 +12035,10 @@
             <a:r>
               <a:rPr lang="pt-BR" sz="1400" b="1" dirty="0">
                 <a:solidFill>
-                  <a:schemeClr val="accent3"/>
+                  <a:schemeClr val="accent3">
+                    <a:lumMod val="60000"/>
+                    <a:lumOff val="40000"/>
+                  </a:schemeClr>
                 </a:solidFill>
                 <a:latin typeface="+mj-lt"/>
               </a:rPr>
@@ -11332,7 +12055,10 @@
             <a:r>
               <a:rPr lang="pt-BR" sz="1400" b="1" dirty="0">
                 <a:solidFill>
-                  <a:schemeClr val="accent3"/>
+                  <a:schemeClr val="accent3">
+                    <a:lumMod val="60000"/>
+                    <a:lumOff val="40000"/>
+                  </a:schemeClr>
                 </a:solidFill>
                 <a:latin typeface="+mj-lt"/>
               </a:rPr>
@@ -11365,7 +12091,7 @@
               <a:rPr lang="pt-BR" sz="1400" dirty="0">
                 <a:latin typeface="+mj-lt"/>
               </a:rPr>
-              <a:t>Marte 2 9.81</a:t>
+              <a:t>Marte 3 9.81</a:t>
             </a:r>
           </a:p>
           <a:p>
@@ -11447,7 +12173,7 @@
           <a:p>
             <a:r>
               <a:rPr lang="pt-BR" dirty="0"/>
-              <a:t>Arquivos Binários</a:t>
+              <a:t>Usando Cabeçalhos</a:t>
             </a:r>
           </a:p>
         </p:txBody>
@@ -12344,7 +13070,7 @@
           <a:p>
             <a:r>
               <a:rPr lang="pt-BR" dirty="0"/>
-              <a:t>Arquivos Binários</a:t>
+              <a:t>Usando Cabeçalhos</a:t>
             </a:r>
           </a:p>
         </p:txBody>
@@ -13091,6 +13817,48 @@
             <a:endParaRPr lang="pt-BR" sz="1600" dirty="0">
               <a:latin typeface="+mj-lt"/>
             </a:endParaRPr>
+          </a:p>
+        </p:txBody>
+      </p:sp>
+      <p:sp>
+        <p:nvSpPr>
+          <p:cNvPr id="5" name="CaixaDeTexto 4">
+            <a:extLst>
+              <a:ext uri="{FF2B5EF4-FFF2-40B4-BE49-F238E27FC236}">
+                <a16:creationId xmlns:a16="http://schemas.microsoft.com/office/drawing/2014/main" id="{E4B53D96-C81D-4C3E-92C1-0A2715CEB17B}"/>
+              </a:ext>
+            </a:extLst>
+          </p:cNvPr>
+          <p:cNvSpPr txBox="1"/>
+          <p:nvPr/>
+        </p:nvSpPr>
+        <p:spPr>
+          <a:xfrm rot="16200000">
+            <a:off x="-714272" y="5774776"/>
+            <a:ext cx="1800200" cy="276999"/>
+          </a:xfrm>
+          <a:prstGeom prst="rect">
+            <a:avLst/>
+          </a:prstGeom>
+          <a:noFill/>
+        </p:spPr>
+        <p:txBody>
+          <a:bodyPr wrap="square" rtlCol="0">
+            <a:spAutoFit/>
+          </a:bodyPr>
+          <a:lstStyle/>
+          <a:p>
+            <a:r>
+              <a:rPr lang="pt-BR" sz="1200" dirty="0">
+                <a:solidFill>
+                  <a:schemeClr val="bg2">
+                    <a:lumMod val="50000"/>
+                  </a:schemeClr>
+                </a:solidFill>
+                <a:latin typeface="+mj-lt"/>
+              </a:rPr>
+              <a:t>// Escrita.cpp</a:t>
+            </a:r>
           </a:p>
         </p:txBody>
       </p:sp>
@@ -13146,7 +13914,7 @@
           <a:p>
             <a:r>
               <a:rPr lang="pt-BR" dirty="0"/>
-              <a:t>Arquivos Binários</a:t>
+              <a:t>Usando Cabeçalhos</a:t>
             </a:r>
           </a:p>
         </p:txBody>
@@ -13535,7 +14303,7 @@
           <a:p>
             <a:r>
               <a:rPr lang="pt-BR" dirty="0"/>
-              <a:t>Arquivos Binários</a:t>
+              <a:t>Usando Cabeçalhos</a:t>
             </a:r>
           </a:p>
         </p:txBody>
@@ -14328,6 +15096,48 @@
                 <a:latin typeface="+mj-lt"/>
               </a:rPr>
               <a:t>}</a:t>
+            </a:r>
+          </a:p>
+        </p:txBody>
+      </p:sp>
+      <p:sp>
+        <p:nvSpPr>
+          <p:cNvPr id="5" name="CaixaDeTexto 4">
+            <a:extLst>
+              <a:ext uri="{FF2B5EF4-FFF2-40B4-BE49-F238E27FC236}">
+                <a16:creationId xmlns:a16="http://schemas.microsoft.com/office/drawing/2014/main" id="{E15949B0-DFE5-4390-9968-9F5AED92D94F}"/>
+              </a:ext>
+            </a:extLst>
+          </p:cNvPr>
+          <p:cNvSpPr txBox="1"/>
+          <p:nvPr/>
+        </p:nvSpPr>
+        <p:spPr>
+          <a:xfrm rot="16200000">
+            <a:off x="-714272" y="5774776"/>
+            <a:ext cx="1800200" cy="276999"/>
+          </a:xfrm>
+          <a:prstGeom prst="rect">
+            <a:avLst/>
+          </a:prstGeom>
+          <a:noFill/>
+        </p:spPr>
+        <p:txBody>
+          <a:bodyPr wrap="square" rtlCol="0">
+            <a:spAutoFit/>
+          </a:bodyPr>
+          <a:lstStyle/>
+          <a:p>
+            <a:r>
+              <a:rPr lang="pt-BR" sz="1200" dirty="0">
+                <a:solidFill>
+                  <a:schemeClr val="bg2">
+                    <a:lumMod val="50000"/>
+                  </a:schemeClr>
+                </a:solidFill>
+                <a:latin typeface="+mj-lt"/>
+              </a:rPr>
+              <a:t>// Leitura.cpp</a:t>
             </a:r>
           </a:p>
         </p:txBody>
@@ -14384,7 +15194,7 @@
           <a:p>
             <a:r>
               <a:rPr lang="pt-BR" dirty="0"/>
-              <a:t>Arquivos Binários</a:t>
+              <a:t>Usando Cabeçalhos</a:t>
             </a:r>
           </a:p>
         </p:txBody>
@@ -14966,18 +15776,15 @@
             </a:br>
             <a:r>
               <a:rPr lang="pt-BR" dirty="0"/>
-              <a:t>Um conjunto de n bits representa um </a:t>
-            </a:r>
-            <a:r>
-              <a:rPr lang="pt-BR" dirty="0">
-                <a:solidFill>
-                  <a:schemeClr val="accent3">
-                    <a:lumMod val="75000"/>
-                  </a:schemeClr>
-                </a:solidFill>
-              </a:rPr>
-              <a:t>caractere</a:t>
-            </a:r>
+              <a:t>Um conjunto de n bits representa um caractere</a:t>
+            </a:r>
+            <a:endParaRPr lang="pt-BR" dirty="0">
+              <a:solidFill>
+                <a:schemeClr val="accent3">
+                  <a:lumMod val="75000"/>
+                </a:schemeClr>
+              </a:solidFill>
+            </a:endParaRPr>
           </a:p>
           <a:p>
             <a:pPr lvl="1"/>
@@ -15008,18 +15815,8 @@
               <a:rPr lang="pt-BR" dirty="0"/>
             </a:br>
             <a:r>
-              <a:rPr lang="pt-BR" dirty="0">
-                <a:solidFill>
-                  <a:schemeClr val="accent3">
-                    <a:lumMod val="75000"/>
-                  </a:schemeClr>
-                </a:solidFill>
-              </a:rPr>
-              <a:t>forma nativa </a:t>
-            </a:r>
-            <a:r>
               <a:rPr lang="pt-BR" dirty="0"/>
-              <a:t>(inteira, ponto-flutuante, caractere, etc.)</a:t>
+              <a:t>forma nativa (inteira, ponto-flutuante, caractere, etc.)</a:t>
             </a:r>
           </a:p>
           <a:p>
@@ -15103,6 +15900,11 @@
           </a:bodyPr>
           <a:lstStyle/>
           <a:p>
+            <a:pPr>
+              <a:spcAft>
+                <a:spcPts val="1800"/>
+              </a:spcAft>
+            </a:pPr>
             <a:r>
               <a:rPr lang="pt-BR" dirty="0"/>
               <a:t>Dados podem ser armazenados em:</a:t>
@@ -15129,14 +15931,11 @@
             </a:r>
           </a:p>
           <a:p>
-            <a:pPr lvl="2"/>
-            <a:r>
-              <a:rPr lang="pt-BR" dirty="0"/>
-              <a:t>São altamente portáveis</a:t>
-            </a:r>
-          </a:p>
-          <a:p>
-            <a:pPr lvl="2"/>
+            <a:pPr lvl="2">
+              <a:spcAft>
+                <a:spcPts val="1800"/>
+              </a:spcAft>
+            </a:pPr>
             <a:r>
               <a:rPr lang="pt-BR" dirty="0"/>
               <a:t>Marca de fim de linha (CR/LF) é diferente para cada S.O. </a:t>
@@ -16051,7 +16850,7 @@
           <a:p>
             <a:r>
               <a:rPr lang="pt-BR" dirty="0"/>
-              <a:t>Motivação</a:t>
+              <a:t>Introdução</a:t>
             </a:r>
           </a:p>
         </p:txBody>
@@ -16201,7 +17000,7 @@
         </p:sp>
         <p:sp>
           <p:nvSpPr>
-            <p:cNvPr id="7" name="Retângulo 6"/>
+            <p:cNvPr id="7" name="Retângulo: Cantos Arredondados 6"/>
             <p:cNvSpPr/>
             <p:nvPr/>
           </p:nvSpPr>
@@ -16210,43 +17009,27 @@
               <a:off x="2927648" y="5684783"/>
               <a:ext cx="1656184" cy="432048"/>
             </a:xfrm>
-            <a:prstGeom prst="rect">
+            <a:prstGeom prst="roundRect">
               <a:avLst/>
             </a:prstGeom>
             <a:solidFill>
               <a:schemeClr val="accent3">
-                <a:lumMod val="75000"/>
+                <a:alpha val="50000"/>
               </a:schemeClr>
             </a:solidFill>
             <a:ln>
-              <a:solidFill>
-                <a:schemeClr val="accent3"/>
-              </a:solidFill>
+              <a:noFill/>
             </a:ln>
-            <a:effectLst/>
-            <a:scene3d>
-              <a:camera prst="orthographicFront">
-                <a:rot lat="0" lon="0" rev="0"/>
-              </a:camera>
-              <a:lightRig rig="chilly" dir="t">
-                <a:rot lat="0" lon="0" rev="18480000"/>
-              </a:lightRig>
-            </a:scene3d>
-            <a:sp3d prstMaterial="clear">
-              <a:bevelT h="63500"/>
-            </a:sp3d>
           </p:spPr>
           <p:style>
-            <a:lnRef idx="2">
-              <a:schemeClr val="accent3">
-                <a:shade val="50000"/>
-              </a:schemeClr>
+            <a:lnRef idx="0">
+              <a:scrgbClr r="0" g="0" b="0"/>
             </a:lnRef>
-            <a:fillRef idx="1">
-              <a:schemeClr val="accent3"/>
+            <a:fillRef idx="0">
+              <a:scrgbClr r="0" g="0" b="0"/>
             </a:fillRef>
             <a:effectRef idx="0">
-              <a:schemeClr val="accent3"/>
+              <a:scrgbClr r="0" g="0" b="0"/>
             </a:effectRef>
             <a:fontRef idx="minor">
               <a:schemeClr val="lt1"/>
@@ -16277,7 +17060,7 @@
         </p:sp>
         <p:sp>
           <p:nvSpPr>
-            <p:cNvPr id="8" name="Retângulo 7"/>
+            <p:cNvPr id="8" name="Retângulo: Cantos Arredondados 7"/>
             <p:cNvSpPr/>
             <p:nvPr/>
           </p:nvSpPr>
@@ -16286,43 +17069,27 @@
               <a:off x="7492878" y="5692346"/>
               <a:ext cx="1584176" cy="408012"/>
             </a:xfrm>
-            <a:prstGeom prst="rect">
+            <a:prstGeom prst="roundRect">
               <a:avLst/>
             </a:prstGeom>
             <a:solidFill>
               <a:schemeClr val="accent3">
-                <a:lumMod val="75000"/>
+                <a:alpha val="50000"/>
               </a:schemeClr>
             </a:solidFill>
             <a:ln>
-              <a:solidFill>
-                <a:schemeClr val="accent3"/>
-              </a:solidFill>
+              <a:noFill/>
             </a:ln>
-            <a:effectLst/>
-            <a:scene3d>
-              <a:camera prst="orthographicFront">
-                <a:rot lat="0" lon="0" rev="0"/>
-              </a:camera>
-              <a:lightRig rig="chilly" dir="t">
-                <a:rot lat="0" lon="0" rev="18480000"/>
-              </a:lightRig>
-            </a:scene3d>
-            <a:sp3d prstMaterial="clear">
-              <a:bevelT h="63500"/>
-            </a:sp3d>
           </p:spPr>
           <p:style>
-            <a:lnRef idx="2">
-              <a:schemeClr val="accent3">
-                <a:shade val="50000"/>
-              </a:schemeClr>
+            <a:lnRef idx="0">
+              <a:scrgbClr r="0" g="0" b="0"/>
             </a:lnRef>
-            <a:fillRef idx="1">
-              <a:schemeClr val="accent3"/>
+            <a:fillRef idx="0">
+              <a:scrgbClr r="0" g="0" b="0"/>
             </a:fillRef>
             <a:effectRef idx="0">
-              <a:schemeClr val="accent3"/>
+              <a:scrgbClr r="0" g="0" b="0"/>
             </a:effectRef>
             <a:fontRef idx="minor">
               <a:schemeClr val="lt1"/>
@@ -17322,6 +18089,11 @@
           <a:bodyPr/>
           <a:lstStyle/>
           <a:p>
+            <a:pPr>
+              <a:spcAft>
+                <a:spcPts val="1800"/>
+              </a:spcAft>
+            </a:pPr>
             <a:r>
               <a:rPr lang="pt-BR" dirty="0"/>
               <a:t>Se o modo de abertura é omitido são usados </a:t>
@@ -17342,7 +18114,11 @@
             </a:r>
           </a:p>
           <a:p>
-            <a:pPr lvl="1"/>
+            <a:pPr lvl="1">
+              <a:spcAft>
+                <a:spcPts val="1800"/>
+              </a:spcAft>
+            </a:pPr>
             <a:r>
               <a:rPr lang="pt-BR" dirty="0"/>
               <a:t>Ifstream</a:t>
@@ -17353,7 +18129,11 @@
             <a:endParaRPr lang="pt-BR" dirty="0"/>
           </a:p>
           <a:p>
-            <a:pPr lvl="1"/>
+            <a:pPr lvl="1">
+              <a:spcAft>
+                <a:spcPts val="1800"/>
+              </a:spcAft>
+            </a:pPr>
             <a:r>
               <a:rPr lang="pt-BR" dirty="0"/>
               <a:t>Ofstream</a:t>
@@ -17361,9 +18141,6 @@
           </a:p>
           <a:p>
             <a:pPr lvl="1"/>
-            <a:endParaRPr lang="pt-BR" dirty="0"/>
-          </a:p>
-          <a:p>
             <a:endParaRPr lang="pt-BR" dirty="0"/>
           </a:p>
           <a:p>
@@ -17396,7 +18173,7 @@
         </p:nvSpPr>
         <p:spPr>
           <a:xfrm>
-            <a:off x="1991544" y="2780928"/>
+            <a:off x="1991544" y="3129172"/>
             <a:ext cx="4996881" cy="369332"/>
           </a:xfrm>
           <a:prstGeom prst="rect">
@@ -17477,7 +18254,7 @@
         </p:nvSpPr>
         <p:spPr>
           <a:xfrm>
-            <a:off x="1991544" y="3694457"/>
+            <a:off x="1991544" y="4224066"/>
             <a:ext cx="7276351" cy="369332"/>
           </a:xfrm>
           <a:prstGeom prst="rect">
@@ -17576,7 +18353,7 @@
         </p:nvSpPr>
         <p:spPr>
           <a:xfrm>
-            <a:off x="1703512" y="5301208"/>
+            <a:off x="1703512" y="5517232"/>
             <a:ext cx="7149714" cy="369332"/>
           </a:xfrm>
           <a:prstGeom prst="rect">
@@ -17664,6 +18441,116 @@
               </a:solidFill>
               <a:latin typeface="+mj-lt"/>
             </a:endParaRPr>
+          </a:p>
+        </p:txBody>
+      </p:sp>
+      <p:sp>
+        <p:nvSpPr>
+          <p:cNvPr id="7" name="Retângulo: Cantos Arredondados 6">
+            <a:extLst>
+              <a:ext uri="{FF2B5EF4-FFF2-40B4-BE49-F238E27FC236}">
+                <a16:creationId xmlns:a16="http://schemas.microsoft.com/office/drawing/2014/main" id="{29289D5C-20A9-44AB-90BF-FEFBF4B9AC44}"/>
+              </a:ext>
+            </a:extLst>
+          </p:cNvPr>
+          <p:cNvSpPr/>
+          <p:nvPr/>
+        </p:nvSpPr>
+        <p:spPr>
+          <a:xfrm>
+            <a:off x="7824192" y="2636912"/>
+            <a:ext cx="2880320" cy="1152128"/>
+          </a:xfrm>
+          <a:prstGeom prst="roundRect">
+            <a:avLst/>
+          </a:prstGeom>
+          <a:solidFill>
+            <a:schemeClr val="bg1">
+              <a:lumMod val="85000"/>
+              <a:lumOff val="15000"/>
+              <a:alpha val="50000"/>
+            </a:schemeClr>
+          </a:solidFill>
+          <a:ln>
+            <a:solidFill>
+              <a:schemeClr val="accent3">
+                <a:lumMod val="75000"/>
+              </a:schemeClr>
+            </a:solidFill>
+          </a:ln>
+        </p:spPr>
+        <p:style>
+          <a:lnRef idx="0">
+            <a:scrgbClr r="0" g="0" b="0"/>
+          </a:lnRef>
+          <a:fillRef idx="0">
+            <a:scrgbClr r="0" g="0" b="0"/>
+          </a:fillRef>
+          <a:effectRef idx="0">
+            <a:scrgbClr r="0" g="0" b="0"/>
+          </a:effectRef>
+          <a:fontRef idx="minor">
+            <a:schemeClr val="lt1"/>
+          </a:fontRef>
+        </p:style>
+        <p:txBody>
+          <a:bodyPr rtlCol="0" anchor="ctr"/>
+          <a:lstStyle/>
+          <a:p>
+            <a:r>
+              <a:rPr lang="pt-BR" sz="1600" dirty="0">
+                <a:latin typeface="+mj-lt"/>
+              </a:rPr>
+              <a:t>00000001: 1 (out)</a:t>
+            </a:r>
+          </a:p>
+          <a:p>
+            <a:r>
+              <a:rPr lang="pt-BR" sz="1600" dirty="0">
+                <a:latin typeface="+mj-lt"/>
+              </a:rPr>
+              <a:t>00000010: 2 (</a:t>
+            </a:r>
+            <a:r>
+              <a:rPr lang="pt-BR" sz="1600" dirty="0" err="1">
+                <a:latin typeface="+mj-lt"/>
+              </a:rPr>
+              <a:t>trunc</a:t>
+            </a:r>
+            <a:r>
+              <a:rPr lang="pt-BR" sz="1600" dirty="0">
+                <a:latin typeface="+mj-lt"/>
+              </a:rPr>
+              <a:t>)</a:t>
+            </a:r>
+          </a:p>
+          <a:p>
+            <a:r>
+              <a:rPr lang="pt-BR" sz="1600" dirty="0">
+                <a:latin typeface="+mj-lt"/>
+              </a:rPr>
+              <a:t>-----------------------</a:t>
+            </a:r>
+          </a:p>
+          <a:p>
+            <a:r>
+              <a:rPr lang="pt-BR" sz="1600" dirty="0">
+                <a:latin typeface="+mj-lt"/>
+              </a:rPr>
+              <a:t>00000011: 3 (</a:t>
+            </a:r>
+            <a:r>
+              <a:rPr lang="pt-BR" sz="1600" dirty="0" err="1">
+                <a:latin typeface="+mj-lt"/>
+              </a:rPr>
+              <a:t>out|trunc</a:t>
+            </a:r>
+            <a:r>
+              <a:rPr lang="pt-BR" sz="1600" dirty="0">
+                <a:latin typeface="+mj-lt"/>
+              </a:rPr>
+              <a:t>)</a:t>
+            </a:r>
           </a:p>
         </p:txBody>
       </p:sp>
@@ -17677,6 +18564,84 @@
   <p:clrMapOvr>
     <a:masterClrMapping/>
   </p:clrMapOvr>
+  <p:timing>
+    <p:tnLst>
+      <p:par>
+        <p:cTn id="1" dur="indefinite" restart="never" nodeType="tmRoot">
+          <p:childTnLst>
+            <p:seq concurrent="1" nextAc="seek">
+              <p:cTn id="2" dur="indefinite" nodeType="mainSeq">
+                <p:childTnLst>
+                  <p:par>
+                    <p:cTn id="3" fill="hold">
+                      <p:stCondLst>
+                        <p:cond delay="indefinite"/>
+                      </p:stCondLst>
+                      <p:childTnLst>
+                        <p:par>
+                          <p:cTn id="4" fill="hold">
+                            <p:stCondLst>
+                              <p:cond delay="0"/>
+                            </p:stCondLst>
+                            <p:childTnLst>
+                              <p:par>
+                                <p:cTn id="5" presetID="1" presetClass="entr" presetSubtype="0" fill="hold" grpId="0" nodeType="clickEffect">
+                                  <p:stCondLst>
+                                    <p:cond delay="0"/>
+                                  </p:stCondLst>
+                                  <p:childTnLst>
+                                    <p:set>
+                                      <p:cBhvr>
+                                        <p:cTn id="6" dur="1" fill="hold">
+                                          <p:stCondLst>
+                                            <p:cond delay="0"/>
+                                          </p:stCondLst>
+                                        </p:cTn>
+                                        <p:tgtEl>
+                                          <p:spTgt spid="7"/>
+                                        </p:tgtEl>
+                                        <p:attrNameLst>
+                                          <p:attrName>style.visibility</p:attrName>
+                                        </p:attrNameLst>
+                                      </p:cBhvr>
+                                      <p:to>
+                                        <p:strVal val="visible"/>
+                                      </p:to>
+                                    </p:set>
+                                  </p:childTnLst>
+                                </p:cTn>
+                              </p:par>
+                            </p:childTnLst>
+                          </p:cTn>
+                        </p:par>
+                      </p:childTnLst>
+                    </p:cTn>
+                  </p:par>
+                </p:childTnLst>
+              </p:cTn>
+              <p:prevCondLst>
+                <p:cond evt="onPrev" delay="0">
+                  <p:tgtEl>
+                    <p:sldTgt/>
+                  </p:tgtEl>
+                </p:cond>
+              </p:prevCondLst>
+              <p:nextCondLst>
+                <p:cond evt="onNext" delay="0">
+                  <p:tgtEl>
+                    <p:sldTgt/>
+                  </p:tgtEl>
+                </p:cond>
+              </p:nextCondLst>
+            </p:seq>
+          </p:childTnLst>
+        </p:cTn>
+      </p:par>
+    </p:tnLst>
+    <p:bldLst>
+      <p:bldP spid="7" grpId="0" animBg="1"/>
+    </p:bldLst>
+  </p:timing>
 </p:sld>
 </file>
 
@@ -19572,8 +20537,8 @@
               <a:rPr lang="pt-BR" sz="1050" dirty="0">
                 <a:solidFill>
                   <a:schemeClr val="accent3">
-                    <a:lumMod val="40000"/>
-                    <a:lumOff val="60000"/>
+                    <a:lumMod val="20000"/>
+                    <a:lumOff val="80000"/>
                   </a:schemeClr>
                 </a:solidFill>
                 <a:latin typeface="+mj-lt"/>
@@ -19656,8 +20621,8 @@
               <a:rPr lang="pt-BR" sz="1050" dirty="0">
                 <a:solidFill>
                   <a:schemeClr val="accent3">
-                    <a:lumMod val="40000"/>
-                    <a:lumOff val="60000"/>
+                    <a:lumMod val="20000"/>
+                    <a:lumOff val="80000"/>
                   </a:schemeClr>
                 </a:solidFill>
                 <a:latin typeface="+mj-lt"/>
@@ -19740,8 +20705,8 @@
               <a:rPr lang="pt-BR" sz="1050" dirty="0">
                 <a:solidFill>
                   <a:schemeClr val="accent3">
-                    <a:lumMod val="40000"/>
-                    <a:lumOff val="60000"/>
+                    <a:lumMod val="20000"/>
+                    <a:lumOff val="80000"/>
                   </a:schemeClr>
                 </a:solidFill>
                 <a:latin typeface="+mj-lt"/>
@@ -20196,411 +21161,185 @@
           </a:p>
         </p:txBody>
       </p:sp>
-      <p:grpSp>
-        <p:nvGrpSpPr>
-          <p:cNvPr id="26" name="Grupo 5">
+      <p:sp>
+        <p:nvSpPr>
+          <p:cNvPr id="27" name="Retângulo 26">
             <a:extLst>
               <a:ext uri="{FF2B5EF4-FFF2-40B4-BE49-F238E27FC236}">
-                <a16:creationId xmlns:a16="http://schemas.microsoft.com/office/drawing/2014/main" id="{78A75527-6F96-4186-ACA1-C31E3F3329D1}"/>
+                <a16:creationId xmlns:a16="http://schemas.microsoft.com/office/drawing/2014/main" id="{8D219E63-5B9F-4B62-9E4B-A9356191AEAA}"/>
               </a:ext>
             </a:extLst>
           </p:cNvPr>
-          <p:cNvGrpSpPr/>
+          <p:cNvSpPr/>
           <p:nvPr/>
-        </p:nvGrpSpPr>
-        <p:grpSpPr>
+        </p:nvSpPr>
+        <p:spPr>
           <a:xfrm>
-            <a:off x="8041548" y="4637411"/>
+            <a:off x="8256240" y="4509120"/>
             <a:ext cx="841296" cy="1056180"/>
-            <a:chOff x="-642974" y="2428868"/>
-            <a:chExt cx="1857388" cy="2071702"/>
           </a:xfrm>
-        </p:grpSpPr>
-        <p:sp>
-          <p:nvSpPr>
-            <p:cNvPr id="27" name="Retângulo 26">
-              <a:extLst>
-                <a:ext uri="{FF2B5EF4-FFF2-40B4-BE49-F238E27FC236}">
-                  <a16:creationId xmlns:a16="http://schemas.microsoft.com/office/drawing/2014/main" id="{8D219E63-5B9F-4B62-9E4B-A9356191AEAA}"/>
-                </a:ext>
-              </a:extLst>
-            </p:cNvPr>
-            <p:cNvSpPr/>
-            <p:nvPr/>
-          </p:nvSpPr>
-          <p:spPr>
-            <a:xfrm>
-              <a:off x="-642974" y="2428868"/>
-              <a:ext cx="1857388" cy="2071702"/>
-            </a:xfrm>
-            <a:prstGeom prst="rect">
-              <a:avLst/>
-            </a:prstGeom>
+          <a:prstGeom prst="rect">
+            <a:avLst/>
+          </a:prstGeom>
+          <a:solidFill>
+            <a:schemeClr val="accent3">
+              <a:lumMod val="75000"/>
+            </a:schemeClr>
+          </a:solidFill>
+          <a:ln>
             <a:solidFill>
-              <a:schemeClr val="accent3">
-                <a:lumMod val="75000"/>
-              </a:schemeClr>
+              <a:schemeClr val="tx1"/>
             </a:solidFill>
-            <a:ln>
-              <a:solidFill>
-                <a:schemeClr val="tx1"/>
-              </a:solidFill>
-            </a:ln>
-          </p:spPr>
-          <p:style>
-            <a:lnRef idx="2">
-              <a:schemeClr val="accent1">
-                <a:shade val="50000"/>
-              </a:schemeClr>
-            </a:lnRef>
-            <a:fillRef idx="1">
-              <a:schemeClr val="accent1"/>
-            </a:fillRef>
-            <a:effectRef idx="0">
-              <a:schemeClr val="accent1"/>
-            </a:effectRef>
-            <a:fontRef idx="minor">
-              <a:schemeClr val="lt1"/>
-            </a:fontRef>
-          </p:style>
-          <p:txBody>
-            <a:bodyPr rtlCol="0" anchor="ctr"/>
-            <a:lstStyle/>
-            <a:p>
-              <a:pPr algn="ctr"/>
-              <a:endParaRPr lang="pt-BR"/>
-            </a:p>
-          </p:txBody>
-        </p:sp>
-        <p:cxnSp>
-          <p:nvCxnSpPr>
-            <p:cNvPr id="28" name="Conector reto 27">
-              <a:extLst>
-                <a:ext uri="{FF2B5EF4-FFF2-40B4-BE49-F238E27FC236}">
-                  <a16:creationId xmlns:a16="http://schemas.microsoft.com/office/drawing/2014/main" id="{969F811C-8437-405F-A50F-6FCE455C647B}"/>
-                </a:ext>
-              </a:extLst>
-            </p:cNvPr>
-            <p:cNvCxnSpPr/>
-            <p:nvPr/>
-          </p:nvCxnSpPr>
-          <p:spPr>
-            <a:xfrm>
-              <a:off x="-357222" y="3143248"/>
-              <a:ext cx="1143008" cy="0"/>
-            </a:xfrm>
-            <a:prstGeom prst="line">
-              <a:avLst/>
-            </a:prstGeom>
-            <a:ln>
-              <a:solidFill>
-                <a:schemeClr val="tx1"/>
-              </a:solidFill>
-            </a:ln>
-          </p:spPr>
-          <p:style>
-            <a:lnRef idx="1">
-              <a:schemeClr val="accent1"/>
-            </a:lnRef>
-            <a:fillRef idx="0">
-              <a:schemeClr val="accent1"/>
-            </a:fillRef>
-            <a:effectRef idx="0">
-              <a:schemeClr val="accent1"/>
-            </a:effectRef>
-            <a:fontRef idx="minor">
+          </a:ln>
+        </p:spPr>
+        <p:style>
+          <a:lnRef idx="2">
+            <a:schemeClr val="accent1">
+              <a:shade val="50000"/>
+            </a:schemeClr>
+          </a:lnRef>
+          <a:fillRef idx="1">
+            <a:schemeClr val="accent1"/>
+          </a:fillRef>
+          <a:effectRef idx="0">
+            <a:schemeClr val="accent1"/>
+          </a:effectRef>
+          <a:fontRef idx="minor">
+            <a:schemeClr val="lt1"/>
+          </a:fontRef>
+        </p:style>
+        <p:txBody>
+          <a:bodyPr rtlCol="0" anchor="ctr"/>
+          <a:lstStyle/>
+          <a:p>
+            <a:pPr algn="ctr"/>
+            <a:endParaRPr lang="pt-BR"/>
+          </a:p>
+        </p:txBody>
+      </p:sp>
+      <p:cxnSp>
+        <p:nvCxnSpPr>
+          <p:cNvPr id="28" name="Conector reto 27">
+            <a:extLst>
+              <a:ext uri="{FF2B5EF4-FFF2-40B4-BE49-F238E27FC236}">
+                <a16:creationId xmlns:a16="http://schemas.microsoft.com/office/drawing/2014/main" id="{969F811C-8437-405F-A50F-6FCE455C647B}"/>
+              </a:ext>
+            </a:extLst>
+          </p:cNvPr>
+          <p:cNvCxnSpPr/>
+          <p:nvPr/>
+        </p:nvCxnSpPr>
+        <p:spPr>
+          <a:xfrm>
+            <a:off x="8385670" y="4873320"/>
+            <a:ext cx="517721" cy="0"/>
+          </a:xfrm>
+          <a:prstGeom prst="line">
+            <a:avLst/>
+          </a:prstGeom>
+          <a:ln>
+            <a:solidFill>
               <a:schemeClr val="tx1"/>
-            </a:fontRef>
-          </p:style>
-        </p:cxnSp>
-        <p:cxnSp>
-          <p:nvCxnSpPr>
-            <p:cNvPr id="29" name="Conector reto 28">
-              <a:extLst>
-                <a:ext uri="{FF2B5EF4-FFF2-40B4-BE49-F238E27FC236}">
-                  <a16:creationId xmlns:a16="http://schemas.microsoft.com/office/drawing/2014/main" id="{D0126FA8-CE22-4BE8-B47A-2964CBB3129F}"/>
-                </a:ext>
-              </a:extLst>
-            </p:cNvPr>
-            <p:cNvCxnSpPr/>
-            <p:nvPr/>
-          </p:nvCxnSpPr>
-          <p:spPr>
-            <a:xfrm>
-              <a:off x="-357222" y="2928934"/>
-              <a:ext cx="1238259" cy="0"/>
-            </a:xfrm>
-            <a:prstGeom prst="line">
-              <a:avLst/>
-            </a:prstGeom>
-            <a:ln>
-              <a:solidFill>
-                <a:schemeClr val="tx1"/>
-              </a:solidFill>
-            </a:ln>
-          </p:spPr>
-          <p:style>
-            <a:lnRef idx="1">
-              <a:schemeClr val="accent1"/>
-            </a:lnRef>
-            <a:fillRef idx="0">
-              <a:schemeClr val="accent1"/>
-            </a:fillRef>
-            <a:effectRef idx="0">
-              <a:schemeClr val="accent1"/>
-            </a:effectRef>
-            <a:fontRef idx="minor">
+            </a:solidFill>
+          </a:ln>
+        </p:spPr>
+        <p:style>
+          <a:lnRef idx="1">
+            <a:schemeClr val="accent1"/>
+          </a:lnRef>
+          <a:fillRef idx="0">
+            <a:schemeClr val="accent1"/>
+          </a:fillRef>
+          <a:effectRef idx="0">
+            <a:schemeClr val="accent1"/>
+          </a:effectRef>
+          <a:fontRef idx="minor">
+            <a:schemeClr val="tx1"/>
+          </a:fontRef>
+        </p:style>
+      </p:cxnSp>
+      <p:cxnSp>
+        <p:nvCxnSpPr>
+          <p:cNvPr id="29" name="Conector reto 28">
+            <a:extLst>
+              <a:ext uri="{FF2B5EF4-FFF2-40B4-BE49-F238E27FC236}">
+                <a16:creationId xmlns:a16="http://schemas.microsoft.com/office/drawing/2014/main" id="{D0126FA8-CE22-4BE8-B47A-2964CBB3129F}"/>
+              </a:ext>
+            </a:extLst>
+          </p:cNvPr>
+          <p:cNvCxnSpPr/>
+          <p:nvPr/>
+        </p:nvCxnSpPr>
+        <p:spPr>
+          <a:xfrm>
+            <a:off x="8385670" y="4764060"/>
+            <a:ext cx="560864" cy="0"/>
+          </a:xfrm>
+          <a:prstGeom prst="line">
+            <a:avLst/>
+          </a:prstGeom>
+          <a:ln>
+            <a:solidFill>
               <a:schemeClr val="tx1"/>
-            </a:fontRef>
-          </p:style>
-        </p:cxnSp>
-        <p:cxnSp>
-          <p:nvCxnSpPr>
-            <p:cNvPr id="30" name="Conector reto 29">
-              <a:extLst>
-                <a:ext uri="{FF2B5EF4-FFF2-40B4-BE49-F238E27FC236}">
-                  <a16:creationId xmlns:a16="http://schemas.microsoft.com/office/drawing/2014/main" id="{7D580A21-100A-4C21-83B2-ACED201218B9}"/>
-                </a:ext>
-              </a:extLst>
-            </p:cNvPr>
-            <p:cNvCxnSpPr/>
-            <p:nvPr/>
-          </p:nvCxnSpPr>
-          <p:spPr>
-            <a:xfrm>
-              <a:off x="-357222" y="3357562"/>
-              <a:ext cx="1238259" cy="0"/>
-            </a:xfrm>
-            <a:prstGeom prst="line">
-              <a:avLst/>
-            </a:prstGeom>
-            <a:ln>
-              <a:solidFill>
-                <a:schemeClr val="tx1"/>
-              </a:solidFill>
-            </a:ln>
-          </p:spPr>
-          <p:style>
-            <a:lnRef idx="1">
-              <a:schemeClr val="accent1"/>
-            </a:lnRef>
-            <a:fillRef idx="0">
-              <a:schemeClr val="accent1"/>
-            </a:fillRef>
-            <a:effectRef idx="0">
-              <a:schemeClr val="accent1"/>
-            </a:effectRef>
-            <a:fontRef idx="minor">
+            </a:solidFill>
+          </a:ln>
+        </p:spPr>
+        <p:style>
+          <a:lnRef idx="1">
+            <a:schemeClr val="accent1"/>
+          </a:lnRef>
+          <a:fillRef idx="0">
+            <a:schemeClr val="accent1"/>
+          </a:fillRef>
+          <a:effectRef idx="0">
+            <a:schemeClr val="accent1"/>
+          </a:effectRef>
+          <a:fontRef idx="minor">
+            <a:schemeClr val="tx1"/>
+          </a:fontRef>
+        </p:style>
+      </p:cxnSp>
+      <p:cxnSp>
+        <p:nvCxnSpPr>
+          <p:cNvPr id="31" name="Conector reto 30">
+            <a:extLst>
+              <a:ext uri="{FF2B5EF4-FFF2-40B4-BE49-F238E27FC236}">
+                <a16:creationId xmlns:a16="http://schemas.microsoft.com/office/drawing/2014/main" id="{321447B6-3116-4DB1-9BC8-D4724354892F}"/>
+              </a:ext>
+            </a:extLst>
+          </p:cNvPr>
+          <p:cNvCxnSpPr/>
+          <p:nvPr/>
+        </p:nvCxnSpPr>
+        <p:spPr>
+          <a:xfrm>
+            <a:off x="8385670" y="4654800"/>
+            <a:ext cx="420648" cy="0"/>
+          </a:xfrm>
+          <a:prstGeom prst="line">
+            <a:avLst/>
+          </a:prstGeom>
+          <a:ln>
+            <a:solidFill>
               <a:schemeClr val="tx1"/>
-            </a:fontRef>
-          </p:style>
-        </p:cxnSp>
-        <p:cxnSp>
-          <p:nvCxnSpPr>
-            <p:cNvPr id="31" name="Conector reto 30">
-              <a:extLst>
-                <a:ext uri="{FF2B5EF4-FFF2-40B4-BE49-F238E27FC236}">
-                  <a16:creationId xmlns:a16="http://schemas.microsoft.com/office/drawing/2014/main" id="{321447B6-3116-4DB1-9BC8-D4724354892F}"/>
-                </a:ext>
-              </a:extLst>
-            </p:cNvPr>
-            <p:cNvCxnSpPr/>
-            <p:nvPr/>
-          </p:nvCxnSpPr>
-          <p:spPr>
-            <a:xfrm>
-              <a:off x="-357222" y="2714620"/>
-              <a:ext cx="928694" cy="0"/>
-            </a:xfrm>
-            <a:prstGeom prst="line">
-              <a:avLst/>
-            </a:prstGeom>
-            <a:ln>
-              <a:solidFill>
-                <a:schemeClr val="tx1"/>
-              </a:solidFill>
-            </a:ln>
-          </p:spPr>
-          <p:style>
-            <a:lnRef idx="1">
-              <a:schemeClr val="accent1"/>
-            </a:lnRef>
-            <a:fillRef idx="0">
-              <a:schemeClr val="accent1"/>
-            </a:fillRef>
-            <a:effectRef idx="0">
-              <a:schemeClr val="accent1"/>
-            </a:effectRef>
-            <a:fontRef idx="minor">
-              <a:schemeClr val="tx1"/>
-            </a:fontRef>
-          </p:style>
-        </p:cxnSp>
-        <p:cxnSp>
-          <p:nvCxnSpPr>
-            <p:cNvPr id="32" name="Conector reto 31">
-              <a:extLst>
-                <a:ext uri="{FF2B5EF4-FFF2-40B4-BE49-F238E27FC236}">
-                  <a16:creationId xmlns:a16="http://schemas.microsoft.com/office/drawing/2014/main" id="{7E757573-3C14-432C-B90F-2CB9834A569A}"/>
-                </a:ext>
-              </a:extLst>
-            </p:cNvPr>
-            <p:cNvCxnSpPr/>
-            <p:nvPr/>
-          </p:nvCxnSpPr>
-          <p:spPr>
-            <a:xfrm>
-              <a:off x="-357222" y="4000504"/>
-              <a:ext cx="1071570" cy="0"/>
-            </a:xfrm>
-            <a:prstGeom prst="line">
-              <a:avLst/>
-            </a:prstGeom>
-            <a:ln>
-              <a:solidFill>
-                <a:schemeClr val="tx1"/>
-              </a:solidFill>
-            </a:ln>
-          </p:spPr>
-          <p:style>
-            <a:lnRef idx="1">
-              <a:schemeClr val="accent1"/>
-            </a:lnRef>
-            <a:fillRef idx="0">
-              <a:schemeClr val="accent1"/>
-            </a:fillRef>
-            <a:effectRef idx="0">
-              <a:schemeClr val="accent1"/>
-            </a:effectRef>
-            <a:fontRef idx="minor">
-              <a:schemeClr val="tx1"/>
-            </a:fontRef>
-          </p:style>
-        </p:cxnSp>
-        <p:cxnSp>
-          <p:nvCxnSpPr>
-            <p:cNvPr id="33" name="Conector reto 32">
-              <a:extLst>
-                <a:ext uri="{FF2B5EF4-FFF2-40B4-BE49-F238E27FC236}">
-                  <a16:creationId xmlns:a16="http://schemas.microsoft.com/office/drawing/2014/main" id="{D5E7DC45-E4C8-4DEB-A330-42286FFF5EC9}"/>
-                </a:ext>
-              </a:extLst>
-            </p:cNvPr>
-            <p:cNvCxnSpPr/>
-            <p:nvPr/>
-          </p:nvCxnSpPr>
-          <p:spPr>
-            <a:xfrm>
-              <a:off x="-357222" y="3786190"/>
-              <a:ext cx="1238259" cy="0"/>
-            </a:xfrm>
-            <a:prstGeom prst="line">
-              <a:avLst/>
-            </a:prstGeom>
-            <a:ln>
-              <a:solidFill>
-                <a:schemeClr val="tx1"/>
-              </a:solidFill>
-            </a:ln>
-          </p:spPr>
-          <p:style>
-            <a:lnRef idx="1">
-              <a:schemeClr val="accent1"/>
-            </a:lnRef>
-            <a:fillRef idx="0">
-              <a:schemeClr val="accent1"/>
-            </a:fillRef>
-            <a:effectRef idx="0">
-              <a:schemeClr val="accent1"/>
-            </a:effectRef>
-            <a:fontRef idx="minor">
-              <a:schemeClr val="tx1"/>
-            </a:fontRef>
-          </p:style>
-        </p:cxnSp>
-        <p:cxnSp>
-          <p:nvCxnSpPr>
-            <p:cNvPr id="34" name="Conector reto 33">
-              <a:extLst>
-                <a:ext uri="{FF2B5EF4-FFF2-40B4-BE49-F238E27FC236}">
-                  <a16:creationId xmlns:a16="http://schemas.microsoft.com/office/drawing/2014/main" id="{E8DDF0F4-6865-4798-B050-A01B67C4EC42}"/>
-                </a:ext>
-              </a:extLst>
-            </p:cNvPr>
-            <p:cNvCxnSpPr/>
-            <p:nvPr/>
-          </p:nvCxnSpPr>
-          <p:spPr>
-            <a:xfrm>
-              <a:off x="-357222" y="4214818"/>
-              <a:ext cx="1238259" cy="0"/>
-            </a:xfrm>
-            <a:prstGeom prst="line">
-              <a:avLst/>
-            </a:prstGeom>
-            <a:ln>
-              <a:solidFill>
-                <a:schemeClr val="tx1"/>
-              </a:solidFill>
-            </a:ln>
-          </p:spPr>
-          <p:style>
-            <a:lnRef idx="1">
-              <a:schemeClr val="accent1"/>
-            </a:lnRef>
-            <a:fillRef idx="0">
-              <a:schemeClr val="accent1"/>
-            </a:fillRef>
-            <a:effectRef idx="0">
-              <a:schemeClr val="accent1"/>
-            </a:effectRef>
-            <a:fontRef idx="minor">
-              <a:schemeClr val="tx1"/>
-            </a:fontRef>
-          </p:style>
-        </p:cxnSp>
-        <p:cxnSp>
-          <p:nvCxnSpPr>
-            <p:cNvPr id="35" name="Conector reto 34">
-              <a:extLst>
-                <a:ext uri="{FF2B5EF4-FFF2-40B4-BE49-F238E27FC236}">
-                  <a16:creationId xmlns:a16="http://schemas.microsoft.com/office/drawing/2014/main" id="{76B6BC8A-FE33-4471-9C64-703DAC5726A6}"/>
-                </a:ext>
-              </a:extLst>
-            </p:cNvPr>
-            <p:cNvCxnSpPr/>
-            <p:nvPr/>
-          </p:nvCxnSpPr>
-          <p:spPr>
-            <a:xfrm>
-              <a:off x="-357222" y="3571876"/>
-              <a:ext cx="714380" cy="0"/>
-            </a:xfrm>
-            <a:prstGeom prst="line">
-              <a:avLst/>
-            </a:prstGeom>
-            <a:ln>
-              <a:solidFill>
-                <a:schemeClr val="tx1"/>
-              </a:solidFill>
-            </a:ln>
-          </p:spPr>
-          <p:style>
-            <a:lnRef idx="1">
-              <a:schemeClr val="accent1"/>
-            </a:lnRef>
-            <a:fillRef idx="0">
-              <a:schemeClr val="accent1"/>
-            </a:fillRef>
-            <a:effectRef idx="0">
-              <a:schemeClr val="accent1"/>
-            </a:effectRef>
-            <a:fontRef idx="minor">
-              <a:schemeClr val="tx1"/>
-            </a:fontRef>
-          </p:style>
-        </p:cxnSp>
-      </p:grpSp>
+            </a:solidFill>
+          </a:ln>
+        </p:spPr>
+        <p:style>
+          <a:lnRef idx="1">
+            <a:schemeClr val="accent1"/>
+          </a:lnRef>
+          <a:fillRef idx="0">
+            <a:schemeClr val="accent1"/>
+          </a:fillRef>
+          <a:effectRef idx="0">
+            <a:schemeClr val="accent1"/>
+          </a:effectRef>
+          <a:fontRef idx="minor">
+            <a:schemeClr val="tx1"/>
+          </a:fontRef>
+        </p:style>
+      </p:cxnSp>
       <p:sp>
         <p:nvSpPr>
           <p:cNvPr id="36" name="CaixaDeTexto 35">
@@ -20615,7 +21354,7 @@
         </p:nvSpPr>
         <p:spPr>
           <a:xfrm>
-            <a:off x="7151109" y="5092997"/>
+            <a:off x="7286982" y="5195968"/>
             <a:ext cx="582212" cy="369332"/>
           </a:xfrm>
           <a:prstGeom prst="rect">
@@ -20655,8 +21394,8 @@
         </p:nvCxnSpPr>
         <p:spPr>
           <a:xfrm rot="5400000" flipH="1" flipV="1">
-            <a:off x="7523375" y="4596395"/>
-            <a:ext cx="415443" cy="577763"/>
+            <a:off x="7660231" y="4489677"/>
+            <a:ext cx="624148" cy="788435"/>
           </a:xfrm>
           <a:prstGeom prst="curvedConnector2">
             <a:avLst/>
@@ -20720,6 +21459,120 @@
           </a:p>
         </p:txBody>
       </p:sp>
+      <p:sp>
+        <p:nvSpPr>
+          <p:cNvPr id="9" name="Retângulo: Cantos Arredondados 8">
+            <a:extLst>
+              <a:ext uri="{FF2B5EF4-FFF2-40B4-BE49-F238E27FC236}">
+                <a16:creationId xmlns:a16="http://schemas.microsoft.com/office/drawing/2014/main" id="{711728D9-79B4-4A73-A733-5135D8A5E4DE}"/>
+              </a:ext>
+            </a:extLst>
+          </p:cNvPr>
+          <p:cNvSpPr/>
+          <p:nvPr/>
+        </p:nvSpPr>
+        <p:spPr>
+          <a:xfrm>
+            <a:off x="3503711" y="3612696"/>
+            <a:ext cx="823359" cy="212272"/>
+          </a:xfrm>
+          <a:prstGeom prst="roundRect">
+            <a:avLst/>
+          </a:prstGeom>
+          <a:solidFill>
+            <a:schemeClr val="bg1">
+              <a:lumMod val="95000"/>
+              <a:lumOff val="5000"/>
+            </a:schemeClr>
+          </a:solidFill>
+          <a:ln>
+            <a:solidFill>
+              <a:schemeClr val="bg1">
+                <a:lumMod val="95000"/>
+                <a:lumOff val="5000"/>
+              </a:schemeClr>
+            </a:solidFill>
+          </a:ln>
+          <a:effectLst>
+            <a:glow rad="101600">
+              <a:schemeClr val="bg1">
+                <a:lumMod val="95000"/>
+                <a:lumOff val="5000"/>
+                <a:alpha val="60000"/>
+              </a:schemeClr>
+            </a:glow>
+          </a:effectLst>
+        </p:spPr>
+        <p:style>
+          <a:lnRef idx="2">
+            <a:schemeClr val="accent1">
+              <a:shade val="50000"/>
+            </a:schemeClr>
+          </a:lnRef>
+          <a:fillRef idx="1">
+            <a:schemeClr val="accent1"/>
+          </a:fillRef>
+          <a:effectRef idx="0">
+            <a:schemeClr val="accent1"/>
+          </a:effectRef>
+          <a:fontRef idx="minor">
+            <a:schemeClr val="lt1"/>
+          </a:fontRef>
+        </p:style>
+        <p:txBody>
+          <a:bodyPr rtlCol="0" anchor="ctr"/>
+          <a:lstStyle/>
+          <a:p>
+            <a:pPr algn="ctr"/>
+            <a:endParaRPr lang="pt-BR"/>
+          </a:p>
+        </p:txBody>
+      </p:sp>
+      <p:cxnSp>
+        <p:nvCxnSpPr>
+          <p:cNvPr id="37" name="Conector: Curvo 36">
+            <a:extLst>
+              <a:ext uri="{FF2B5EF4-FFF2-40B4-BE49-F238E27FC236}">
+                <a16:creationId xmlns:a16="http://schemas.microsoft.com/office/drawing/2014/main" id="{CFBF0BAF-6725-4A5F-AF0E-3E9BCE4DEE02}"/>
+              </a:ext>
+            </a:extLst>
+          </p:cNvPr>
+          <p:cNvCxnSpPr>
+            <a:cxnSpLocks/>
+            <a:stCxn id="36" idx="0"/>
+          </p:cNvCxnSpPr>
+          <p:nvPr/>
+        </p:nvCxnSpPr>
+        <p:spPr>
+          <a:xfrm rot="5400000" flipH="1" flipV="1">
+            <a:off x="7863681" y="4673979"/>
+            <a:ext cx="236396" cy="807582"/>
+          </a:xfrm>
+          <a:prstGeom prst="curvedConnector2">
+            <a:avLst/>
+          </a:prstGeom>
+          <a:ln w="19050">
+            <a:solidFill>
+              <a:schemeClr val="tx1"/>
+            </a:solidFill>
+            <a:tailEnd type="triangle"/>
+          </a:ln>
+        </p:spPr>
+        <p:style>
+          <a:lnRef idx="1">
+            <a:schemeClr val="accent1"/>
+          </a:lnRef>
+          <a:fillRef idx="0">
+            <a:schemeClr val="accent1"/>
+          </a:fillRef>
+          <a:effectRef idx="0">
+            <a:schemeClr val="accent1"/>
+          </a:effectRef>
+          <a:fontRef idx="minor">
+            <a:schemeClr val="tx1"/>
+          </a:fontRef>
+        </p:style>
+      </p:cxnSp>
     </p:spTree>
     <p:extLst>
       <p:ext uri="{BB962C8B-B14F-4D97-AF65-F5344CB8AC3E}">
@@ -20730,6 +21583,283 @@
   <p:clrMapOvr>
     <a:masterClrMapping/>
   </p:clrMapOvr>
+  <p:timing>
+    <p:tnLst>
+      <p:par>
+        <p:cTn id="1" dur="indefinite" restart="never" nodeType="tmRoot">
+          <p:childTnLst>
+            <p:seq concurrent="1" nextAc="seek">
+              <p:cTn id="2" dur="indefinite" nodeType="mainSeq">
+                <p:childTnLst>
+                  <p:par>
+                    <p:cTn id="3" fill="hold">
+                      <p:stCondLst>
+                        <p:cond delay="indefinite"/>
+                      </p:stCondLst>
+                      <p:childTnLst>
+                        <p:par>
+                          <p:cTn id="4" fill="hold">
+                            <p:stCondLst>
+                              <p:cond delay="0"/>
+                            </p:stCondLst>
+                            <p:childTnLst>
+                              <p:par>
+                                <p:cTn id="5" presetID="1" presetClass="entr" presetSubtype="0" fill="hold" grpId="1" nodeType="clickEffect">
+                                  <p:stCondLst>
+                                    <p:cond delay="0"/>
+                                  </p:stCondLst>
+                                  <p:childTnLst>
+                                    <p:set>
+                                      <p:cBhvr>
+                                        <p:cTn id="6" dur="1" fill="hold">
+                                          <p:stCondLst>
+                                            <p:cond delay="0"/>
+                                          </p:stCondLst>
+                                        </p:cTn>
+                                        <p:tgtEl>
+                                          <p:spTgt spid="9"/>
+                                        </p:tgtEl>
+                                        <p:attrNameLst>
+                                          <p:attrName>style.visibility</p:attrName>
+                                        </p:attrNameLst>
+                                      </p:cBhvr>
+                                      <p:to>
+                                        <p:strVal val="visible"/>
+                                      </p:to>
+                                    </p:set>
+                                  </p:childTnLst>
+                                </p:cTn>
+                              </p:par>
+                            </p:childTnLst>
+                          </p:cTn>
+                        </p:par>
+                      </p:childTnLst>
+                    </p:cTn>
+                  </p:par>
+                  <p:par>
+                    <p:cTn id="7" fill="hold">
+                      <p:stCondLst>
+                        <p:cond delay="indefinite"/>
+                      </p:stCondLst>
+                      <p:childTnLst>
+                        <p:par>
+                          <p:cTn id="8" fill="hold">
+                            <p:stCondLst>
+                              <p:cond delay="0"/>
+                            </p:stCondLst>
+                            <p:childTnLst>
+                              <p:par>
+                                <p:cTn id="9" presetID="1" presetClass="exit" presetSubtype="0" fill="hold" nodeType="clickEffect">
+                                  <p:stCondLst>
+                                    <p:cond delay="0"/>
+                                  </p:stCondLst>
+                                  <p:childTnLst>
+                                    <p:set>
+                                      <p:cBhvr>
+                                        <p:cTn id="10" dur="1" fill="hold">
+                                          <p:stCondLst>
+                                            <p:cond delay="0"/>
+                                          </p:stCondLst>
+                                        </p:cTn>
+                                        <p:tgtEl>
+                                          <p:spTgt spid="38"/>
+                                        </p:tgtEl>
+                                        <p:attrNameLst>
+                                          <p:attrName>style.visibility</p:attrName>
+                                        </p:attrNameLst>
+                                      </p:cBhvr>
+                                      <p:to>
+                                        <p:strVal val="hidden"/>
+                                      </p:to>
+                                    </p:set>
+                                  </p:childTnLst>
+                                </p:cTn>
+                              </p:par>
+                              <p:par>
+                                <p:cTn id="11" presetID="1" presetClass="entr" presetSubtype="0" fill="hold" nodeType="withEffect">
+                                  <p:stCondLst>
+                                    <p:cond delay="0"/>
+                                  </p:stCondLst>
+                                  <p:childTnLst>
+                                    <p:set>
+                                      <p:cBhvr>
+                                        <p:cTn id="12" dur="1" fill="hold">
+                                          <p:stCondLst>
+                                            <p:cond delay="0"/>
+                                          </p:stCondLst>
+                                        </p:cTn>
+                                        <p:tgtEl>
+                                          <p:spTgt spid="31"/>
+                                        </p:tgtEl>
+                                        <p:attrNameLst>
+                                          <p:attrName>style.visibility</p:attrName>
+                                        </p:attrNameLst>
+                                      </p:cBhvr>
+                                      <p:to>
+                                        <p:strVal val="visible"/>
+                                      </p:to>
+                                    </p:set>
+                                  </p:childTnLst>
+                                </p:cTn>
+                              </p:par>
+                              <p:par>
+                                <p:cTn id="13" presetID="1" presetClass="entr" presetSubtype="0" fill="hold" nodeType="withEffect">
+                                  <p:stCondLst>
+                                    <p:cond delay="0"/>
+                                  </p:stCondLst>
+                                  <p:childTnLst>
+                                    <p:set>
+                                      <p:cBhvr>
+                                        <p:cTn id="14" dur="1" fill="hold">
+                                          <p:stCondLst>
+                                            <p:cond delay="0"/>
+                                          </p:stCondLst>
+                                        </p:cTn>
+                                        <p:tgtEl>
+                                          <p:spTgt spid="29"/>
+                                        </p:tgtEl>
+                                        <p:attrNameLst>
+                                          <p:attrName>style.visibility</p:attrName>
+                                        </p:attrNameLst>
+                                      </p:cBhvr>
+                                      <p:to>
+                                        <p:strVal val="visible"/>
+                                      </p:to>
+                                    </p:set>
+                                  </p:childTnLst>
+                                </p:cTn>
+                              </p:par>
+                              <p:par>
+                                <p:cTn id="15" presetID="1" presetClass="entr" presetSubtype="0" fill="hold" nodeType="withEffect">
+                                  <p:stCondLst>
+                                    <p:cond delay="0"/>
+                                  </p:stCondLst>
+                                  <p:childTnLst>
+                                    <p:set>
+                                      <p:cBhvr>
+                                        <p:cTn id="16" dur="1" fill="hold">
+                                          <p:stCondLst>
+                                            <p:cond delay="0"/>
+                                          </p:stCondLst>
+                                        </p:cTn>
+                                        <p:tgtEl>
+                                          <p:spTgt spid="28"/>
+                                        </p:tgtEl>
+                                        <p:attrNameLst>
+                                          <p:attrName>style.visibility</p:attrName>
+                                        </p:attrNameLst>
+                                      </p:cBhvr>
+                                      <p:to>
+                                        <p:strVal val="visible"/>
+                                      </p:to>
+                                    </p:set>
+                                  </p:childTnLst>
+                                </p:cTn>
+                              </p:par>
+                              <p:par>
+                                <p:cTn id="17" presetID="1" presetClass="entr" presetSubtype="0" fill="hold" nodeType="withEffect">
+                                  <p:stCondLst>
+                                    <p:cond delay="0"/>
+                                  </p:stCondLst>
+                                  <p:childTnLst>
+                                    <p:set>
+                                      <p:cBhvr>
+                                        <p:cTn id="18" dur="1" fill="hold">
+                                          <p:stCondLst>
+                                            <p:cond delay="0"/>
+                                          </p:stCondLst>
+                                        </p:cTn>
+                                        <p:tgtEl>
+                                          <p:spTgt spid="37"/>
+                                        </p:tgtEl>
+                                        <p:attrNameLst>
+                                          <p:attrName>style.visibility</p:attrName>
+                                        </p:attrNameLst>
+                                      </p:cBhvr>
+                                      <p:to>
+                                        <p:strVal val="visible"/>
+                                      </p:to>
+                                    </p:set>
+                                  </p:childTnLst>
+                                </p:cTn>
+                              </p:par>
+                            </p:childTnLst>
+                          </p:cTn>
+                        </p:par>
+                      </p:childTnLst>
+                    </p:cTn>
+                  </p:par>
+                  <p:par>
+                    <p:cTn id="19" fill="hold">
+                      <p:stCondLst>
+                        <p:cond delay="indefinite"/>
+                      </p:stCondLst>
+                      <p:childTnLst>
+                        <p:par>
+                          <p:cTn id="20" fill="hold">
+                            <p:stCondLst>
+                              <p:cond delay="0"/>
+                            </p:stCondLst>
+                            <p:childTnLst>
+                              <p:par>
+                                <p:cTn id="21" presetID="1" presetClass="exit" presetSubtype="0" fill="hold" grpId="0" nodeType="clickEffect">
+                                  <p:stCondLst>
+                                    <p:cond delay="0"/>
+                                  </p:stCondLst>
+                                  <p:childTnLst>
+                                    <p:set>
+                                      <p:cBhvr>
+                                        <p:cTn id="22" dur="1" fill="hold">
+                                          <p:stCondLst>
+                                            <p:cond delay="0"/>
+                                          </p:stCondLst>
+                                        </p:cTn>
+                                        <p:tgtEl>
+                                          <p:spTgt spid="9"/>
+                                        </p:tgtEl>
+                                        <p:attrNameLst>
+                                          <p:attrName>style.visibility</p:attrName>
+                                        </p:attrNameLst>
+                                      </p:cBhvr>
+                                      <p:to>
+                                        <p:strVal val="hidden"/>
+                                      </p:to>
+                                    </p:set>
+                                  </p:childTnLst>
+                                </p:cTn>
+                              </p:par>
+                            </p:childTnLst>
+                          </p:cTn>
+                        </p:par>
+                      </p:childTnLst>
+                    </p:cTn>
+                  </p:par>
+                </p:childTnLst>
+              </p:cTn>
+              <p:prevCondLst>
+                <p:cond evt="onPrev" delay="0">
+                  <p:tgtEl>
+                    <p:sldTgt/>
+                  </p:tgtEl>
+                </p:cond>
+              </p:prevCondLst>
+              <p:nextCondLst>
+                <p:cond evt="onNext" delay="0">
+                  <p:tgtEl>
+                    <p:sldTgt/>
+                  </p:tgtEl>
+                </p:cond>
+              </p:nextCondLst>
+            </p:seq>
+          </p:childTnLst>
+        </p:cTn>
+      </p:par>
+    </p:tnLst>
+    <p:bldLst>
+      <p:bldP spid="9" grpId="0" animBg="1"/>
+      <p:bldP spid="9" grpId="1" animBg="1"/>
+    </p:bldLst>
+  </p:timing>
 </p:sld>
 </file>
 

--- a/Slides/24. Arquivos Binários.pptx
+++ b/Slides/24. Arquivos Binários.pptx
@@ -1093,10 +1093,17 @@
   <pc:docChgLst>
     <pc:chgData name="Judson Santiago" userId="ebb108da2f256286" providerId="LiveId" clId="{90F471B2-98DB-4815-966E-645702CF2738}"/>
     <pc:docChg chg="undo custSel modSld modMainMaster">
-      <pc:chgData name="Judson Santiago" userId="ebb108da2f256286" providerId="LiveId" clId="{90F471B2-98DB-4815-966E-645702CF2738}" dt="2021-05-28T01:34:34.817" v="470"/>
+      <pc:chgData name="Judson Santiago" userId="ebb108da2f256286" providerId="LiveId" clId="{90F471B2-98DB-4815-966E-645702CF2738}" dt="2021-05-28T18:06:57.077" v="568" actId="20577"/>
       <pc:docMkLst>
         <pc:docMk/>
       </pc:docMkLst>
+      <pc:sldChg chg="modNotesTx">
+        <pc:chgData name="Judson Santiago" userId="ebb108da2f256286" providerId="LiveId" clId="{90F471B2-98DB-4815-966E-645702CF2738}" dt="2021-05-28T18:06:57.077" v="568" actId="20577"/>
+        <pc:sldMkLst>
+          <pc:docMk/>
+          <pc:sldMk cId="0" sldId="256"/>
+        </pc:sldMkLst>
+      </pc:sldChg>
       <pc:sldChg chg="addSp modSp mod modAnim modNotesTx">
         <pc:chgData name="Judson Santiago" userId="ebb108da2f256286" providerId="LiveId" clId="{90F471B2-98DB-4815-966E-645702CF2738}" dt="2021-05-28T00:06:17.480" v="278" actId="14100"/>
         <pc:sldMkLst>
@@ -2141,7 +2148,7 @@
             <a:fld id="{930E53B6-818D-417C-BFE0-5C5C2F79A7B0}" type="datetimeFigureOut">
               <a:rPr lang="pt-BR" smtClean="0"/>
               <a:pPr/>
-              <a:t>27/05/2021</a:t>
+              <a:t>28/05/2021</a:t>
             </a:fld>
             <a:endParaRPr lang="pt-BR"/>
           </a:p>
@@ -2455,13 +2462,67 @@
           <a:bodyPr/>
           <a:lstStyle/>
           <a:p>
-            <a:r>
-              <a:rPr lang="pt-BR" dirty="0"/>
-              <a:t>Esses objetivos só são alcançados com</a:t>
-            </a:r>
-            <a:r>
-              <a:rPr lang="pt-BR" baseline="0" dirty="0"/>
-              <a:t> o arquivo binário</a:t>
+            <a:pPr marL="171450" indent="-171450">
+              <a:buFontTx/>
+              <a:buChar char="-"/>
+            </a:pPr>
+            <a:r>
+              <a:rPr lang="pt-BR" b="0" i="0" dirty="0">
+                <a:solidFill>
+                  <a:srgbClr val="000000"/>
+                </a:solidFill>
+                <a:effectLst/>
+                <a:latin typeface="Verdana" panose="020B0604030504040204" pitchFamily="34" charset="0"/>
+              </a:rPr>
+              <a:t>Escrita e leitura em arquivos binários</a:t>
+            </a:r>
+          </a:p>
+          <a:p>
+            <a:pPr marL="171450" indent="-171450">
+              <a:buFontTx/>
+              <a:buChar char="-"/>
+            </a:pPr>
+            <a:r>
+              <a:rPr lang="pt-BR" b="0" i="0" dirty="0">
+                <a:solidFill>
+                  <a:srgbClr val="000000"/>
+                </a:solidFill>
+                <a:effectLst/>
+                <a:latin typeface="Verdana" panose="020B0604030504040204" pitchFamily="34" charset="0"/>
+              </a:rPr>
+              <a:t>Usar cabeçalhos em arquivos binários</a:t>
+            </a:r>
+          </a:p>
+          <a:p>
+            <a:pPr marL="171450" indent="-171450">
+              <a:buFontTx/>
+              <a:buChar char="-"/>
+            </a:pPr>
+            <a:r>
+              <a:rPr lang="pt-BR" b="0" i="0" dirty="0">
+                <a:solidFill>
+                  <a:srgbClr val="000000"/>
+                </a:solidFill>
+                <a:effectLst/>
+                <a:latin typeface="Verdana" panose="020B0604030504040204" pitchFamily="34" charset="0"/>
+              </a:rPr>
+              <a:t>Comparar o tamanho de arquivos texto e binário</a:t>
+            </a:r>
+          </a:p>
+          <a:p>
+            <a:pPr marL="171450" indent="-171450">
+              <a:buFontTx/>
+              <a:buChar char="-"/>
+            </a:pPr>
+            <a:r>
+              <a:rPr lang="pt-BR" b="0" i="0">
+                <a:solidFill>
+                  <a:srgbClr val="000000"/>
+                </a:solidFill>
+                <a:effectLst/>
+                <a:latin typeface="Verdana" panose="020B0604030504040204" pitchFamily="34" charset="0"/>
+              </a:rPr>
+              <a:t>Exercícios</a:t>
             </a:r>
             <a:endParaRPr lang="pt-BR" dirty="0"/>
           </a:p>
@@ -2474,7 +2535,7 @@
             <a:spLocks noGrp="1"/>
           </p:cNvSpPr>
           <p:nvPr>
-            <p:ph type="sldNum" sz="quarter" idx="10"/>
+            <p:ph type="sldNum" sz="quarter" idx="5"/>
           </p:nvPr>
         </p:nvSpPr>
         <p:spPr/>
@@ -2485,7 +2546,7 @@
             <a:fld id="{DDE89101-08F7-49D2-8214-2A594991CB0B}" type="slidenum">
               <a:rPr lang="pt-BR" smtClean="0"/>
               <a:pPr/>
-              <a:t>4</a:t>
+              <a:t>1</a:t>
             </a:fld>
             <a:endParaRPr lang="pt-BR"/>
           </a:p>
@@ -2494,7 +2555,7 @@
     </p:spTree>
     <p:extLst>
       <p:ext uri="{BB962C8B-B14F-4D97-AF65-F5344CB8AC3E}">
-        <p14:creationId xmlns:p14="http://schemas.microsoft.com/office/powerpoint/2010/main" val="2093981368"/>
+        <p14:creationId xmlns:p14="http://schemas.microsoft.com/office/powerpoint/2010/main" val="3115177621"/>
       </p:ext>
     </p:extLst>
   </p:cSld>
@@ -2505,6 +2566,91 @@
 </file>
 
 <file path=ppt/notesSlides/notesSlide10.xml><?xml version="1.0" encoding="utf-8"?>
+<p:notes xmlns:a="http://schemas.openxmlformats.org/drawingml/2006/main" xmlns:r="http://schemas.openxmlformats.org/officeDocument/2006/relationships" xmlns:p="http://schemas.openxmlformats.org/presentationml/2006/main">
+  <p:cSld>
+    <p:spTree>
+      <p:nvGrpSpPr>
+        <p:cNvPr id="1" name=""/>
+        <p:cNvGrpSpPr/>
+        <p:nvPr/>
+      </p:nvGrpSpPr>
+      <p:grpSpPr>
+        <a:xfrm>
+          <a:off x="0" y="0"/>
+          <a:ext cx="0" cy="0"/>
+          <a:chOff x="0" y="0"/>
+          <a:chExt cx="0" cy="0"/>
+        </a:xfrm>
+      </p:grpSpPr>
+      <p:sp>
+        <p:nvSpPr>
+          <p:cNvPr id="2" name="Espaço Reservado para Imagem de Slide 1"/>
+          <p:cNvSpPr>
+            <a:spLocks noGrp="1" noRot="1" noChangeAspect="1"/>
+          </p:cNvSpPr>
+          <p:nvPr>
+            <p:ph type="sldImg"/>
+          </p:nvPr>
+        </p:nvSpPr>
+        <p:spPr/>
+      </p:sp>
+      <p:sp>
+        <p:nvSpPr>
+          <p:cNvPr id="3" name="Espaço Reservado para Anotações 2"/>
+          <p:cNvSpPr>
+            <a:spLocks noGrp="1"/>
+          </p:cNvSpPr>
+          <p:nvPr>
+            <p:ph type="body" idx="1"/>
+          </p:nvPr>
+        </p:nvSpPr>
+        <p:spPr/>
+        <p:txBody>
+          <a:bodyPr/>
+          <a:lstStyle/>
+          <a:p>
+            <a:endParaRPr lang="pt-BR" dirty="0"/>
+          </a:p>
+        </p:txBody>
+      </p:sp>
+      <p:sp>
+        <p:nvSpPr>
+          <p:cNvPr id="4" name="Espaço Reservado para Número de Slide 3"/>
+          <p:cNvSpPr>
+            <a:spLocks noGrp="1"/>
+          </p:cNvSpPr>
+          <p:nvPr>
+            <p:ph type="sldNum" sz="quarter" idx="5"/>
+          </p:nvPr>
+        </p:nvSpPr>
+        <p:spPr/>
+        <p:txBody>
+          <a:bodyPr/>
+          <a:lstStyle/>
+          <a:p>
+            <a:fld id="{DDE89101-08F7-49D2-8214-2A594991CB0B}" type="slidenum">
+              <a:rPr lang="pt-BR" smtClean="0"/>
+              <a:pPr/>
+              <a:t>18</a:t>
+            </a:fld>
+            <a:endParaRPr lang="pt-BR"/>
+          </a:p>
+        </p:txBody>
+      </p:sp>
+    </p:spTree>
+    <p:extLst>
+      <p:ext uri="{BB962C8B-B14F-4D97-AF65-F5344CB8AC3E}">
+        <p14:creationId xmlns:p14="http://schemas.microsoft.com/office/powerpoint/2010/main" val="2785863855"/>
+      </p:ext>
+    </p:extLst>
+  </p:cSld>
+  <p:clrMapOvr>
+    <a:masterClrMapping/>
+  </p:clrMapOvr>
+</p:notes>
+</file>
+
+<file path=ppt/notesSlides/notesSlide11.xml><?xml version="1.0" encoding="utf-8"?>
 <p:notes xmlns:a="http://schemas.openxmlformats.org/drawingml/2006/main" xmlns:r="http://schemas.openxmlformats.org/officeDocument/2006/relationships" xmlns:p="http://schemas.openxmlformats.org/presentationml/2006/main">
   <p:cSld>
     <p:spTree>
@@ -2662,27 +2808,11 @@
           <a:p>
             <a:r>
               <a:rPr lang="pt-BR" dirty="0"/>
-              <a:t>Para arquivos texto não foi necessário utilizar um</a:t>
+              <a:t>Esses objetivos só são alcançados com</a:t>
             </a:r>
             <a:r>
               <a:rPr lang="pt-BR" baseline="0" dirty="0"/>
-              <a:t> modo de abertura específico pois o objeto </a:t>
-            </a:r>
-            <a:r>
-              <a:rPr lang="pt-BR" baseline="0" dirty="0" err="1"/>
-              <a:t>ifstream</a:t>
-            </a:r>
-            <a:r>
-              <a:rPr lang="pt-BR" baseline="0" dirty="0"/>
-              <a:t> e </a:t>
-            </a:r>
-            <a:r>
-              <a:rPr lang="pt-BR" baseline="0" dirty="0" err="1"/>
-              <a:t>ofstream</a:t>
-            </a:r>
-            <a:r>
-              <a:rPr lang="pt-BR" baseline="0" dirty="0"/>
-              <a:t> já estabelecem modos padrão. Mas para arquivos binários precisaremos estabelecer o modo de abertura. </a:t>
+              <a:t> o arquivo binário</a:t>
             </a:r>
             <a:endParaRPr lang="pt-BR" dirty="0"/>
           </a:p>
@@ -2706,7 +2836,7 @@
             <a:fld id="{DDE89101-08F7-49D2-8214-2A594991CB0B}" type="slidenum">
               <a:rPr lang="pt-BR" smtClean="0"/>
               <a:pPr/>
-              <a:t>5</a:t>
+              <a:t>4</a:t>
             </a:fld>
             <a:endParaRPr lang="pt-BR"/>
           </a:p>
@@ -2715,7 +2845,7 @@
     </p:spTree>
     <p:extLst>
       <p:ext uri="{BB962C8B-B14F-4D97-AF65-F5344CB8AC3E}">
-        <p14:creationId xmlns:p14="http://schemas.microsoft.com/office/powerpoint/2010/main" val="1959969628"/>
+        <p14:creationId xmlns:p14="http://schemas.microsoft.com/office/powerpoint/2010/main" val="2093981368"/>
       </p:ext>
     </p:extLst>
   </p:cSld>
@@ -2752,12 +2882,7 @@
             <p:ph type="sldImg"/>
           </p:nvPr>
         </p:nvSpPr>
-        <p:spPr>
-          <a:xfrm>
-            <a:off x="381000" y="685800"/>
-            <a:ext cx="6096000" cy="3429000"/>
-          </a:xfrm>
-        </p:spPr>
+        <p:spPr/>
       </p:sp>
       <p:sp>
         <p:nvSpPr>
@@ -2775,36 +2900,16 @@
           <a:lstStyle/>
           <a:p>
             <a:r>
+              <a:rPr lang="pt-BR" dirty="0"/>
+              <a:t>Para arquivos texto não foi necessário utilizar um</a:t>
+            </a:r>
+            <a:r>
               <a:rPr lang="pt-BR" baseline="0" dirty="0"/>
-              <a:t>Ler e escrever ao mesmo tempo em um arquivo é possível criando um objeto do tipo </a:t>
+              <a:t> modo de abertura específico pois o objeto </a:t>
             </a:r>
             <a:r>
               <a:rPr lang="pt-BR" baseline="0" dirty="0" err="1"/>
-              <a:t>fstream</a:t>
-            </a:r>
-            <a:r>
-              <a:rPr lang="pt-BR" baseline="0" dirty="0"/>
-              <a:t> e usando </a:t>
-            </a:r>
-            <a:r>
-              <a:rPr lang="pt-BR" baseline="0" dirty="0" err="1"/>
-              <a:t>tellg</a:t>
-            </a:r>
-            <a:r>
-              <a:rPr lang="pt-BR" baseline="0" dirty="0"/>
-              <a:t>, </a:t>
-            </a:r>
-            <a:r>
-              <a:rPr lang="pt-BR" baseline="0" dirty="0" err="1"/>
-              <a:t>tellp</a:t>
-            </a:r>
-            <a:r>
-              <a:rPr lang="pt-BR" baseline="0" dirty="0"/>
-              <a:t>, </a:t>
-            </a:r>
-            <a:r>
-              <a:rPr lang="pt-BR" baseline="0" dirty="0" err="1"/>
-              <a:t>seekg</a:t>
+              <a:t>ifstream</a:t>
             </a:r>
             <a:r>
               <a:rPr lang="pt-BR" baseline="0" dirty="0"/>
@@ -2812,29 +2917,11 @@
             </a:r>
             <a:r>
               <a:rPr lang="pt-BR" baseline="0" dirty="0" err="1"/>
-              <a:t>seekp</a:t>
+              <a:t>ofstream</a:t>
             </a:r>
             <a:r>
               <a:rPr lang="pt-BR" baseline="0" dirty="0"/>
-              <a:t>, porém não é recomendado pela dificuldade e ineficácia inerente ao processo.</a:t>
-            </a:r>
-          </a:p>
-          <a:p>
-            <a:r>
-              <a:rPr lang="pt-BR" baseline="0" dirty="0" err="1"/>
-              <a:t>ios_base</a:t>
-            </a:r>
-            <a:r>
-              <a:rPr lang="pt-BR" baseline="0" dirty="0"/>
-              <a:t>::ate posiciona a cursor no final do arquivo no momento da sua abertura; </a:t>
-            </a:r>
-            <a:r>
-              <a:rPr lang="pt-BR" baseline="0" dirty="0" err="1"/>
-              <a:t>ios_base</a:t>
-            </a:r>
-            <a:r>
-              <a:rPr lang="pt-BR" baseline="0" dirty="0"/>
-              <a:t>::app posiciona o cursor no final do arquivo na abertura e após cada operação de escrita.</a:t>
+              <a:t> já estabelecem modos padrão. Mas para arquivos binários precisaremos estabelecer o modo de abertura. </a:t>
             </a:r>
             <a:endParaRPr lang="pt-BR" dirty="0"/>
           </a:p>
@@ -2858,7 +2945,7 @@
             <a:fld id="{DDE89101-08F7-49D2-8214-2A594991CB0B}" type="slidenum">
               <a:rPr lang="pt-BR" smtClean="0"/>
               <a:pPr/>
-              <a:t>6</a:t>
+              <a:t>5</a:t>
             </a:fld>
             <a:endParaRPr lang="pt-BR"/>
           </a:p>
@@ -2867,7 +2954,7 @@
     </p:spTree>
     <p:extLst>
       <p:ext uri="{BB962C8B-B14F-4D97-AF65-F5344CB8AC3E}">
-        <p14:creationId xmlns:p14="http://schemas.microsoft.com/office/powerpoint/2010/main" val="1668325458"/>
+        <p14:creationId xmlns:p14="http://schemas.microsoft.com/office/powerpoint/2010/main" val="1959969628"/>
       </p:ext>
     </p:extLst>
   </p:cSld>
@@ -2904,7 +2991,12 @@
             <p:ph type="sldImg"/>
           </p:nvPr>
         </p:nvSpPr>
-        <p:spPr/>
+        <p:spPr>
+          <a:xfrm>
+            <a:off x="381000" y="685800"/>
+            <a:ext cx="6096000" cy="3429000"/>
+          </a:xfrm>
+        </p:spPr>
       </p:sp>
       <p:sp>
         <p:nvSpPr>
@@ -2922,42 +3014,67 @@
           <a:lstStyle/>
           <a:p>
             <a:r>
-              <a:rPr lang="pt-BR" sz="1200" dirty="0">
-                <a:latin typeface="+mj-lt"/>
-              </a:rPr>
-              <a:t>00000001: 1</a:t>
-            </a:r>
-          </a:p>
-          <a:p>
-            <a:r>
-              <a:rPr lang="pt-BR" sz="1200" dirty="0">
-                <a:latin typeface="+mj-lt"/>
-              </a:rPr>
-              <a:t>00000010: 2</a:t>
-            </a:r>
-          </a:p>
-          <a:p>
-            <a:r>
-              <a:rPr lang="pt-BR" sz="1200" dirty="0">
-                <a:latin typeface="+mj-lt"/>
-              </a:rPr>
-              <a:t>---------------</a:t>
-            </a:r>
-          </a:p>
-          <a:p>
-            <a:r>
-              <a:rPr lang="pt-BR" sz="1200" dirty="0">
-                <a:latin typeface="+mj-lt"/>
-              </a:rPr>
-              <a:t>00000011: 3</a:t>
-            </a:r>
-          </a:p>
-          <a:p>
-            <a:endParaRPr lang="pt-BR" sz="1200" dirty="0">
-              <a:latin typeface="+mj-lt"/>
-            </a:endParaRPr>
-          </a:p>
-          <a:p>
+              <a:rPr lang="pt-BR" baseline="0" dirty="0"/>
+              <a:t>Ler e escrever ao mesmo tempo em um arquivo é possível criando um objeto do tipo </a:t>
+            </a:r>
+            <a:r>
+              <a:rPr lang="pt-BR" baseline="0" dirty="0" err="1"/>
+              <a:t>fstream</a:t>
+            </a:r>
+            <a:r>
+              <a:rPr lang="pt-BR" baseline="0" dirty="0"/>
+              <a:t> e usando </a:t>
+            </a:r>
+            <a:r>
+              <a:rPr lang="pt-BR" baseline="0" dirty="0" err="1"/>
+              <a:t>tellg</a:t>
+            </a:r>
+            <a:r>
+              <a:rPr lang="pt-BR" baseline="0" dirty="0"/>
+              <a:t>, </a:t>
+            </a:r>
+            <a:r>
+              <a:rPr lang="pt-BR" baseline="0" dirty="0" err="1"/>
+              <a:t>tellp</a:t>
+            </a:r>
+            <a:r>
+              <a:rPr lang="pt-BR" baseline="0" dirty="0"/>
+              <a:t>, </a:t>
+            </a:r>
+            <a:r>
+              <a:rPr lang="pt-BR" baseline="0" dirty="0" err="1"/>
+              <a:t>seekg</a:t>
+            </a:r>
+            <a:r>
+              <a:rPr lang="pt-BR" baseline="0" dirty="0"/>
+              <a:t> e </a:t>
+            </a:r>
+            <a:r>
+              <a:rPr lang="pt-BR" baseline="0" dirty="0" err="1"/>
+              <a:t>seekp</a:t>
+            </a:r>
+            <a:r>
+              <a:rPr lang="pt-BR" baseline="0" dirty="0"/>
+              <a:t>, porém não é recomendado pela dificuldade e ineficácia inerente ao processo.</a:t>
+            </a:r>
+          </a:p>
+          <a:p>
+            <a:r>
+              <a:rPr lang="pt-BR" baseline="0" dirty="0" err="1"/>
+              <a:t>ios_base</a:t>
+            </a:r>
+            <a:r>
+              <a:rPr lang="pt-BR" baseline="0" dirty="0"/>
+              <a:t>::ate posiciona a cursor no final do arquivo no momento da sua abertura; </a:t>
+            </a:r>
+            <a:r>
+              <a:rPr lang="pt-BR" baseline="0" dirty="0" err="1"/>
+              <a:t>ios_base</a:t>
+            </a:r>
+            <a:r>
+              <a:rPr lang="pt-BR" baseline="0" dirty="0"/>
+              <a:t>::app posiciona o cursor no final do arquivo na abertura e após cada operação de escrita.</a:t>
+            </a:r>
             <a:endParaRPr lang="pt-BR" dirty="0"/>
           </a:p>
         </p:txBody>
@@ -2969,7 +3086,7 @@
             <a:spLocks noGrp="1"/>
           </p:cNvSpPr>
           <p:nvPr>
-            <p:ph type="sldNum" sz="quarter" idx="5"/>
+            <p:ph type="sldNum" sz="quarter" idx="10"/>
           </p:nvPr>
         </p:nvSpPr>
         <p:spPr/>
@@ -2980,7 +3097,7 @@
             <a:fld id="{DDE89101-08F7-49D2-8214-2A594991CB0B}" type="slidenum">
               <a:rPr lang="pt-BR" smtClean="0"/>
               <a:pPr/>
-              <a:t>7</a:t>
+              <a:t>6</a:t>
             </a:fld>
             <a:endParaRPr lang="pt-BR"/>
           </a:p>
@@ -2989,7 +3106,7 @@
     </p:spTree>
     <p:extLst>
       <p:ext uri="{BB962C8B-B14F-4D97-AF65-F5344CB8AC3E}">
-        <p14:creationId xmlns:p14="http://schemas.microsoft.com/office/powerpoint/2010/main" val="1382026791"/>
+        <p14:creationId xmlns:p14="http://schemas.microsoft.com/office/powerpoint/2010/main" val="1668325458"/>
       </p:ext>
     </p:extLst>
   </p:cSld>
@@ -3026,12 +3143,7 @@
             <p:ph type="sldImg"/>
           </p:nvPr>
         </p:nvSpPr>
-        <p:spPr>
-          <a:xfrm>
-            <a:off x="381000" y="685800"/>
-            <a:ext cx="6096000" cy="3429000"/>
-          </a:xfrm>
-        </p:spPr>
+        <p:spPr/>
       </p:sp>
       <p:sp>
         <p:nvSpPr>
@@ -3048,6 +3160,43 @@
           <a:bodyPr/>
           <a:lstStyle/>
           <a:p>
+            <a:r>
+              <a:rPr lang="pt-BR" sz="1200" dirty="0">
+                <a:latin typeface="+mj-lt"/>
+              </a:rPr>
+              <a:t>00000001: 1</a:t>
+            </a:r>
+          </a:p>
+          <a:p>
+            <a:r>
+              <a:rPr lang="pt-BR" sz="1200" dirty="0">
+                <a:latin typeface="+mj-lt"/>
+              </a:rPr>
+              <a:t>00000010: 2</a:t>
+            </a:r>
+          </a:p>
+          <a:p>
+            <a:r>
+              <a:rPr lang="pt-BR" sz="1200" dirty="0">
+                <a:latin typeface="+mj-lt"/>
+              </a:rPr>
+              <a:t>---------------</a:t>
+            </a:r>
+          </a:p>
+          <a:p>
+            <a:r>
+              <a:rPr lang="pt-BR" sz="1200" dirty="0">
+                <a:latin typeface="+mj-lt"/>
+              </a:rPr>
+              <a:t>00000011: 3</a:t>
+            </a:r>
+          </a:p>
+          <a:p>
+            <a:endParaRPr lang="pt-BR" sz="1200" dirty="0">
+              <a:latin typeface="+mj-lt"/>
+            </a:endParaRPr>
+          </a:p>
+          <a:p>
             <a:endParaRPr lang="pt-BR" dirty="0"/>
           </a:p>
         </p:txBody>
@@ -3059,7 +3208,7 @@
             <a:spLocks noGrp="1"/>
           </p:cNvSpPr>
           <p:nvPr>
-            <p:ph type="sldNum" sz="quarter" idx="10"/>
+            <p:ph type="sldNum" sz="quarter" idx="5"/>
           </p:nvPr>
         </p:nvSpPr>
         <p:spPr/>
@@ -3070,7 +3219,7 @@
             <a:fld id="{DDE89101-08F7-49D2-8214-2A594991CB0B}" type="slidenum">
               <a:rPr lang="pt-BR" smtClean="0"/>
               <a:pPr/>
-              <a:t>8</a:t>
+              <a:t>7</a:t>
             </a:fld>
             <a:endParaRPr lang="pt-BR"/>
           </a:p>
@@ -3079,7 +3228,7 @@
     </p:spTree>
     <p:extLst>
       <p:ext uri="{BB962C8B-B14F-4D97-AF65-F5344CB8AC3E}">
-        <p14:creationId xmlns:p14="http://schemas.microsoft.com/office/powerpoint/2010/main" val="4171959121"/>
+        <p14:creationId xmlns:p14="http://schemas.microsoft.com/office/powerpoint/2010/main" val="1382026791"/>
       </p:ext>
     </p:extLst>
   </p:cSld>
@@ -3138,22 +3287,6 @@
           <a:bodyPr/>
           <a:lstStyle/>
           <a:p>
-            <a:r>
-              <a:rPr lang="pt-BR" dirty="0"/>
-              <a:t>* A função </a:t>
-            </a:r>
-            <a:r>
-              <a:rPr lang="pt-BR" dirty="0" err="1"/>
-              <a:t>write</a:t>
-            </a:r>
-            <a:r>
-              <a:rPr lang="pt-BR" dirty="0"/>
-              <a:t> foi projetada para ser usada em arquivos texto, mas como seu trabalho é copiar bits, ela</a:t>
-            </a:r>
-            <a:r>
-              <a:rPr lang="pt-BR" baseline="0" dirty="0"/>
-              <a:t> funciona igualmente bem para arquivos binários.</a:t>
-            </a:r>
             <a:endParaRPr lang="pt-BR" dirty="0"/>
           </a:p>
         </p:txBody>
@@ -3176,7 +3309,7 @@
             <a:fld id="{DDE89101-08F7-49D2-8214-2A594991CB0B}" type="slidenum">
               <a:rPr lang="pt-BR" smtClean="0"/>
               <a:pPr/>
-              <a:t>9</a:t>
+              <a:t>8</a:t>
             </a:fld>
             <a:endParaRPr lang="pt-BR"/>
           </a:p>
@@ -3185,7 +3318,7 @@
     </p:spTree>
     <p:extLst>
       <p:ext uri="{BB962C8B-B14F-4D97-AF65-F5344CB8AC3E}">
-        <p14:creationId xmlns:p14="http://schemas.microsoft.com/office/powerpoint/2010/main" val="2708536538"/>
+        <p14:creationId xmlns:p14="http://schemas.microsoft.com/office/powerpoint/2010/main" val="4171959121"/>
       </p:ext>
     </p:extLst>
   </p:cSld>
@@ -3222,7 +3355,12 @@
             <p:ph type="sldImg"/>
           </p:nvPr>
         </p:nvSpPr>
-        <p:spPr/>
+        <p:spPr>
+          <a:xfrm>
+            <a:off x="381000" y="685800"/>
+            <a:ext cx="6096000" cy="3429000"/>
+          </a:xfrm>
+        </p:spPr>
       </p:sp>
       <p:sp>
         <p:nvSpPr>
@@ -3239,6 +3377,22 @@
           <a:bodyPr/>
           <a:lstStyle/>
           <a:p>
+            <a:r>
+              <a:rPr lang="pt-BR" dirty="0"/>
+              <a:t>* A função </a:t>
+            </a:r>
+            <a:r>
+              <a:rPr lang="pt-BR" dirty="0" err="1"/>
+              <a:t>write</a:t>
+            </a:r>
+            <a:r>
+              <a:rPr lang="pt-BR" dirty="0"/>
+              <a:t> foi projetada para ser usada em arquivos texto, mas como seu trabalho é copiar bits, ela</a:t>
+            </a:r>
+            <a:r>
+              <a:rPr lang="pt-BR" baseline="0" dirty="0"/>
+              <a:t> funciona igualmente bem para arquivos binários.</a:t>
+            </a:r>
             <a:endParaRPr lang="pt-BR" dirty="0"/>
           </a:p>
         </p:txBody>
@@ -3250,7 +3404,7 @@
             <a:spLocks noGrp="1"/>
           </p:cNvSpPr>
           <p:nvPr>
-            <p:ph type="sldNum" sz="quarter" idx="5"/>
+            <p:ph type="sldNum" sz="quarter" idx="10"/>
           </p:nvPr>
         </p:nvSpPr>
         <p:spPr/>
@@ -3261,7 +3415,7 @@
             <a:fld id="{DDE89101-08F7-49D2-8214-2A594991CB0B}" type="slidenum">
               <a:rPr lang="pt-BR" smtClean="0"/>
               <a:pPr/>
-              <a:t>15</a:t>
+              <a:t>9</a:t>
             </a:fld>
             <a:endParaRPr lang="pt-BR"/>
           </a:p>
@@ -3270,7 +3424,7 @@
     </p:spTree>
     <p:extLst>
       <p:ext uri="{BB962C8B-B14F-4D97-AF65-F5344CB8AC3E}">
-        <p14:creationId xmlns:p14="http://schemas.microsoft.com/office/powerpoint/2010/main" val="2116082391"/>
+        <p14:creationId xmlns:p14="http://schemas.microsoft.com/office/powerpoint/2010/main" val="2708536538"/>
       </p:ext>
     </p:extLst>
   </p:cSld>
@@ -3346,7 +3500,7 @@
             <a:fld id="{DDE89101-08F7-49D2-8214-2A594991CB0B}" type="slidenum">
               <a:rPr lang="pt-BR" smtClean="0"/>
               <a:pPr/>
-              <a:t>16</a:t>
+              <a:t>15</a:t>
             </a:fld>
             <a:endParaRPr lang="pt-BR"/>
           </a:p>
@@ -3355,7 +3509,7 @@
     </p:spTree>
     <p:extLst>
       <p:ext uri="{BB962C8B-B14F-4D97-AF65-F5344CB8AC3E}">
-        <p14:creationId xmlns:p14="http://schemas.microsoft.com/office/powerpoint/2010/main" val="2925365415"/>
+        <p14:creationId xmlns:p14="http://schemas.microsoft.com/office/powerpoint/2010/main" val="2116082391"/>
       </p:ext>
     </p:extLst>
   </p:cSld>
@@ -3431,7 +3585,7 @@
             <a:fld id="{DDE89101-08F7-49D2-8214-2A594991CB0B}" type="slidenum">
               <a:rPr lang="pt-BR" smtClean="0"/>
               <a:pPr/>
-              <a:t>18</a:t>
+              <a:t>16</a:t>
             </a:fld>
             <a:endParaRPr lang="pt-BR"/>
           </a:p>
@@ -3440,7 +3594,7 @@
     </p:spTree>
     <p:extLst>
       <p:ext uri="{BB962C8B-B14F-4D97-AF65-F5344CB8AC3E}">
-        <p14:creationId xmlns:p14="http://schemas.microsoft.com/office/powerpoint/2010/main" val="2785863855"/>
+        <p14:creationId xmlns:p14="http://schemas.microsoft.com/office/powerpoint/2010/main" val="2925365415"/>
       </p:ext>
     </p:extLst>
   </p:cSld>
@@ -3516,7 +3670,7 @@
             <a:fld id="{275F0C2A-2D46-4BF1-8C5E-F57D7C710160}" type="datetimeFigureOut">
               <a:rPr lang="pt-BR" smtClean="0"/>
               <a:pPr/>
-              <a:t>27/05/2021</a:t>
+              <a:t>28/05/2021</a:t>
             </a:fld>
             <a:endParaRPr lang="pt-BR"/>
           </a:p>
@@ -4071,7 +4225,7 @@
             <a:fld id="{275F0C2A-2D46-4BF1-8C5E-F57D7C710160}" type="datetimeFigureOut">
               <a:rPr lang="pt-BR" smtClean="0"/>
               <a:pPr/>
-              <a:t>27/05/2021</a:t>
+              <a:t>28/05/2021</a:t>
             </a:fld>
             <a:endParaRPr lang="pt-BR"/>
           </a:p>
@@ -4248,7 +4402,7 @@
             <a:fld id="{275F0C2A-2D46-4BF1-8C5E-F57D7C710160}" type="datetimeFigureOut">
               <a:rPr lang="pt-BR" smtClean="0"/>
               <a:pPr/>
-              <a:t>27/05/2021</a:t>
+              <a:t>28/05/2021</a:t>
             </a:fld>
             <a:endParaRPr lang="pt-BR"/>
           </a:p>
@@ -4415,7 +4569,7 @@
             <a:fld id="{275F0C2A-2D46-4BF1-8C5E-F57D7C710160}" type="datetimeFigureOut">
               <a:rPr lang="pt-BR" smtClean="0"/>
               <a:pPr/>
-              <a:t>27/05/2021</a:t>
+              <a:t>28/05/2021</a:t>
             </a:fld>
             <a:endParaRPr lang="pt-BR"/>
           </a:p>
@@ -5864,7 +6018,7 @@
             <a:fld id="{275F0C2A-2D46-4BF1-8C5E-F57D7C710160}" type="datetimeFigureOut">
               <a:rPr lang="pt-BR" smtClean="0"/>
               <a:pPr/>
-              <a:t>27/05/2021</a:t>
+              <a:t>28/05/2021</a:t>
             </a:fld>
             <a:endParaRPr lang="pt-BR"/>
           </a:p>
@@ -6446,7 +6600,7 @@
             <a:fld id="{275F0C2A-2D46-4BF1-8C5E-F57D7C710160}" type="datetimeFigureOut">
               <a:rPr lang="pt-BR" smtClean="0"/>
               <a:pPr/>
-              <a:t>27/05/2021</a:t>
+              <a:t>28/05/2021</a:t>
             </a:fld>
             <a:endParaRPr lang="pt-BR"/>
           </a:p>
@@ -6877,7 +7031,7 @@
             <a:fld id="{275F0C2A-2D46-4BF1-8C5E-F57D7C710160}" type="datetimeFigureOut">
               <a:rPr lang="pt-BR" smtClean="0"/>
               <a:pPr/>
-              <a:t>27/05/2021</a:t>
+              <a:t>28/05/2021</a:t>
             </a:fld>
             <a:endParaRPr lang="pt-BR"/>
           </a:p>
@@ -7416,7 +7570,7 @@
             <a:fld id="{275F0C2A-2D46-4BF1-8C5E-F57D7C710160}" type="datetimeFigureOut">
               <a:rPr lang="pt-BR" smtClean="0"/>
               <a:pPr/>
-              <a:t>27/05/2021</a:t>
+              <a:t>28/05/2021</a:t>
             </a:fld>
             <a:endParaRPr lang="pt-BR"/>
           </a:p>
@@ -7508,7 +7662,7 @@
             <a:fld id="{275F0C2A-2D46-4BF1-8C5E-F57D7C710160}" type="datetimeFigureOut">
               <a:rPr lang="pt-BR" smtClean="0"/>
               <a:pPr/>
-              <a:t>27/05/2021</a:t>
+              <a:t>28/05/2021</a:t>
             </a:fld>
             <a:endParaRPr lang="pt-BR"/>
           </a:p>
@@ -7758,7 +7912,7 @@
             <a:fld id="{275F0C2A-2D46-4BF1-8C5E-F57D7C710160}" type="datetimeFigureOut">
               <a:rPr lang="pt-BR" smtClean="0"/>
               <a:pPr/>
-              <a:t>27/05/2021</a:t>
+              <a:t>28/05/2021</a:t>
             </a:fld>
             <a:endParaRPr lang="pt-BR"/>
           </a:p>
@@ -8473,7 +8627,7 @@
             <a:fld id="{275F0C2A-2D46-4BF1-8C5E-F57D7C710160}" type="datetimeFigureOut">
               <a:rPr lang="pt-BR" smtClean="0"/>
               <a:pPr/>
-              <a:t>27/05/2021</a:t>
+              <a:t>28/05/2021</a:t>
             </a:fld>
             <a:endParaRPr lang="pt-BR"/>
           </a:p>
@@ -8754,7 +8908,7 @@
             <a:fld id="{275F0C2A-2D46-4BF1-8C5E-F57D7C710160}" type="datetimeFigureOut">
               <a:rPr lang="pt-BR" smtClean="0"/>
               <a:pPr/>
-              <a:t>27/05/2021</a:t>
+              <a:t>28/05/2021</a:t>
             </a:fld>
             <a:endParaRPr lang="pt-BR"/>
           </a:p>
